--- a/0963180222-田园园-在线考试系统-答辩ppt.pptx
+++ b/0963180222-田园园-在线考试系统-答辩ppt.pptx
@@ -264,7 +264,7 @@
             <a:fld id="{673B58EF-4ABD-40F4-ACA4-FE81D742E6DD}" type="datetimeFigureOut">
               <a:rPr lang="zh-CN" altLang="en-US" smtClean="0"/>
               <a:pPr/>
-              <a:t>2021/12/25/Saturday</a:t>
+              <a:t>2021/12/27</a:t>
             </a:fld>
             <a:endParaRPr lang="zh-CN" altLang="en-US" dirty="0"/>
           </a:p>
@@ -2431,7 +2431,7 @@
                 <a:latin typeface="微软雅黑" pitchFamily="34" charset="-122"/>
                 <a:ea typeface="微软雅黑" pitchFamily="34" charset="-122"/>
               </a:rPr>
-              <a:t>网路工程专业</a:t>
+              <a:t>网络工程专业</a:t>
             </a:r>
             <a:r>
               <a:rPr lang="en-US" altLang="zh-CN" dirty="0">

--- a/0963180222-田园园-在线考试系统-答辩ppt.pptx
+++ b/0963180222-田园园-在线考试系统-答辩ppt.pptx
@@ -5,7 +5,7 @@
     <p:sldMasterId id="2147483648" r:id="rId1"/>
   </p:sldMasterIdLst>
   <p:notesMasterIdLst>
-    <p:notesMasterId r:id="rId21"/>
+    <p:notesMasterId r:id="rId19"/>
   </p:notesMasterIdLst>
   <p:sldIdLst>
     <p:sldId id="451" r:id="rId2"/>
@@ -24,14 +24,12 @@
     <p:sldId id="454" r:id="rId15"/>
     <p:sldId id="444" r:id="rId16"/>
     <p:sldId id="445" r:id="rId17"/>
-    <p:sldId id="463" r:id="rId18"/>
-    <p:sldId id="470" r:id="rId19"/>
-    <p:sldId id="341" r:id="rId20"/>
+    <p:sldId id="341" r:id="rId18"/>
   </p:sldIdLst>
   <p:sldSz cx="9144000" cy="5143500" type="screen16x9"/>
   <p:notesSz cx="6858000" cy="9144000"/>
   <p:custDataLst>
-    <p:tags r:id="rId22"/>
+    <p:tags r:id="rId20"/>
   </p:custDataLst>
   <p:defaultTextStyle>
     <a:defPPr>
@@ -264,7 +262,7 @@
             <a:fld id="{673B58EF-4ABD-40F4-ACA4-FE81D742E6DD}" type="datetimeFigureOut">
               <a:rPr lang="zh-CN" altLang="en-US" smtClean="0"/>
               <a:pPr/>
-              <a:t>2021/12/27</a:t>
+              <a:t>2021/12/31</a:t>
             </a:fld>
             <a:endParaRPr lang="zh-CN" altLang="en-US" dirty="0"/>
           </a:p>
@@ -665,6 +663,91 @@
           <a:bodyPr/>
           <a:lstStyle/>
           <a:p>
+            <a:endParaRPr lang="zh-CN" altLang="en-US" dirty="0"/>
+          </a:p>
+        </p:txBody>
+      </p:sp>
+      <p:sp>
+        <p:nvSpPr>
+          <p:cNvPr id="4" name="灯片编号占位符 3"/>
+          <p:cNvSpPr>
+            <a:spLocks noGrp="1"/>
+          </p:cNvSpPr>
+          <p:nvPr>
+            <p:ph type="sldNum" sz="quarter" idx="5"/>
+          </p:nvPr>
+        </p:nvSpPr>
+        <p:spPr/>
+        <p:txBody>
+          <a:bodyPr/>
+          <a:lstStyle/>
+          <a:p>
+            <a:fld id="{A11FC198-2D83-4DFC-8CDD-7D23AF44D411}" type="slidenum">
+              <a:rPr lang="zh-CN" altLang="en-US" smtClean="0"/>
+              <a:pPr/>
+              <a:t>4</a:t>
+            </a:fld>
+            <a:endParaRPr lang="zh-CN" altLang="en-US" dirty="0"/>
+          </a:p>
+        </p:txBody>
+      </p:sp>
+    </p:spTree>
+    <p:extLst>
+      <p:ext uri="{BB962C8B-B14F-4D97-AF65-F5344CB8AC3E}">
+        <p14:creationId xmlns:p14="http://schemas.microsoft.com/office/powerpoint/2010/main" val="1463882415"/>
+      </p:ext>
+    </p:extLst>
+  </p:cSld>
+  <p:clrMapOvr>
+    <a:masterClrMapping/>
+  </p:clrMapOvr>
+</p:notes>
+</file>
+
+<file path=ppt/notesSlides/notesSlide3.xml><?xml version="1.0" encoding="utf-8"?>
+<p:notes xmlns:a="http://schemas.openxmlformats.org/drawingml/2006/main" xmlns:r="http://schemas.openxmlformats.org/officeDocument/2006/relationships" xmlns:p="http://schemas.openxmlformats.org/presentationml/2006/main">
+  <p:cSld>
+    <p:spTree>
+      <p:nvGrpSpPr>
+        <p:cNvPr id="1" name=""/>
+        <p:cNvGrpSpPr/>
+        <p:nvPr/>
+      </p:nvGrpSpPr>
+      <p:grpSpPr>
+        <a:xfrm>
+          <a:off x="0" y="0"/>
+          <a:ext cx="0" cy="0"/>
+          <a:chOff x="0" y="0"/>
+          <a:chExt cx="0" cy="0"/>
+        </a:xfrm>
+      </p:grpSpPr>
+      <p:sp>
+        <p:nvSpPr>
+          <p:cNvPr id="2" name="幻灯片图像占位符 1"/>
+          <p:cNvSpPr>
+            <a:spLocks noGrp="1" noRot="1" noChangeAspect="1"/>
+          </p:cNvSpPr>
+          <p:nvPr>
+            <p:ph type="sldImg"/>
+          </p:nvPr>
+        </p:nvSpPr>
+        <p:spPr/>
+      </p:sp>
+      <p:sp>
+        <p:nvSpPr>
+          <p:cNvPr id="3" name="备注占位符 2"/>
+          <p:cNvSpPr>
+            <a:spLocks noGrp="1"/>
+          </p:cNvSpPr>
+          <p:nvPr>
+            <p:ph type="body" idx="1"/>
+          </p:nvPr>
+        </p:nvSpPr>
+        <p:spPr/>
+        <p:txBody>
+          <a:bodyPr/>
+          <a:lstStyle/>
+          <a:p>
             <a:endParaRPr lang="zh-CN" altLang="en-US"/>
           </a:p>
         </p:txBody>
@@ -706,7 +789,7 @@
 </p:notes>
 </file>
 
-<file path=ppt/notesSlides/notesSlide3.xml><?xml version="1.0" encoding="utf-8"?>
+<file path=ppt/notesSlides/notesSlide4.xml><?xml version="1.0" encoding="utf-8"?>
 <p:notes xmlns:a="http://schemas.openxmlformats.org/drawingml/2006/main" xmlns:r="http://schemas.openxmlformats.org/officeDocument/2006/relationships" xmlns:p="http://schemas.openxmlformats.org/presentationml/2006/main">
   <p:cSld>
     <p:spTree>
@@ -791,7 +874,7 @@
 </p:notes>
 </file>
 
-<file path=ppt/notesSlides/notesSlide4.xml><?xml version="1.0" encoding="utf-8"?>
+<file path=ppt/notesSlides/notesSlide5.xml><?xml version="1.0" encoding="utf-8"?>
 <p:notes xmlns:a="http://schemas.openxmlformats.org/drawingml/2006/main" xmlns:r="http://schemas.openxmlformats.org/officeDocument/2006/relationships" xmlns:p="http://schemas.openxmlformats.org/presentationml/2006/main">
   <p:cSld>
     <p:spTree>
@@ -876,7 +959,7 @@
 </p:notes>
 </file>
 
-<file path=ppt/notesSlides/notesSlide5.xml><?xml version="1.0" encoding="utf-8"?>
+<file path=ppt/notesSlides/notesSlide6.xml><?xml version="1.0" encoding="utf-8"?>
 <p:notes xmlns:a="http://schemas.openxmlformats.org/drawingml/2006/main" xmlns:r="http://schemas.openxmlformats.org/officeDocument/2006/relationships" xmlns:p="http://schemas.openxmlformats.org/presentationml/2006/main">
   <p:cSld>
     <p:spTree>
@@ -961,7 +1044,7 @@
 </p:notes>
 </file>
 
-<file path=ppt/notesSlides/notesSlide6.xml><?xml version="1.0" encoding="utf-8"?>
+<file path=ppt/notesSlides/notesSlide7.xml><?xml version="1.0" encoding="utf-8"?>
 <p:notes xmlns:a="http://schemas.openxmlformats.org/drawingml/2006/main" xmlns:r="http://schemas.openxmlformats.org/officeDocument/2006/relationships" xmlns:p="http://schemas.openxmlformats.org/presentationml/2006/main">
   <p:cSld>
     <p:spTree>
@@ -1046,7 +1129,7 @@
 </p:notes>
 </file>
 
-<file path=ppt/notesSlides/notesSlide7.xml><?xml version="1.0" encoding="utf-8"?>
+<file path=ppt/notesSlides/notesSlide8.xml><?xml version="1.0" encoding="utf-8"?>
 <p:notes xmlns:a="http://schemas.openxmlformats.org/drawingml/2006/main" xmlns:r="http://schemas.openxmlformats.org/officeDocument/2006/relationships" xmlns:p="http://schemas.openxmlformats.org/presentationml/2006/main">
   <p:cSld>
     <p:spTree>
@@ -1131,7 +1214,7 @@
 </p:notes>
 </file>
 
-<file path=ppt/notesSlides/notesSlide8.xml><?xml version="1.0" encoding="utf-8"?>
+<file path=ppt/notesSlides/notesSlide9.xml><?xml version="1.0" encoding="utf-8"?>
 <p:notes xmlns:a="http://schemas.openxmlformats.org/drawingml/2006/main" xmlns:r="http://schemas.openxmlformats.org/officeDocument/2006/relationships" xmlns:p="http://schemas.openxmlformats.org/presentationml/2006/main">
   <p:cSld>
     <p:spTree>
@@ -1196,7 +1279,7 @@
           <a:p>
             <a:fld id="{621F41D1-EB0D-4857-8E93-8C1C831E6153}" type="slidenum">
               <a:rPr lang="zh-CN" altLang="en-US" smtClean="0"/>
-              <a:t>19</a:t>
+              <a:t>17</a:t>
             </a:fld>
             <a:endParaRPr lang="zh-CN" altLang="en-US"/>
           </a:p>
@@ -1945,7 +2028,7 @@
         </p:nvSpPr>
         <p:spPr>
           <a:xfrm>
-            <a:off x="0" y="1275606"/>
+            <a:off x="0" y="1261433"/>
             <a:ext cx="9144000" cy="2880319"/>
           </a:xfrm>
           <a:prstGeom prst="rect">
@@ -1997,7 +2080,7 @@
         </p:nvSpPr>
         <p:spPr bwMode="auto">
           <a:xfrm flipH="1">
-            <a:off x="6012160" y="3048005"/>
+            <a:off x="6084168" y="3033394"/>
             <a:ext cx="556107" cy="369753"/>
           </a:xfrm>
           <a:custGeom>
@@ -2327,7 +2410,7 @@
         </p:nvSpPr>
         <p:spPr>
           <a:xfrm>
-            <a:off x="2195736" y="2177157"/>
+            <a:off x="2195736" y="2089130"/>
             <a:ext cx="4968552" cy="830997"/>
           </a:xfrm>
           <a:prstGeom prst="rect">
@@ -2399,7 +2482,7 @@
       </p:sp>
       <p:sp>
         <p:nvSpPr>
-          <p:cNvPr id="54" name="PA_文本框 71"/>
+          <p:cNvPr id="85" name="PA_文本框 84"/>
           <p:cNvSpPr txBox="1"/>
           <p:nvPr>
             <p:custDataLst>
@@ -2409,67 +2492,8 @@
         </p:nvSpPr>
         <p:spPr>
           <a:xfrm>
-            <a:off x="3021697" y="1587416"/>
-            <a:ext cx="2869696" cy="369332"/>
-          </a:xfrm>
-          <a:prstGeom prst="rect">
-            <a:avLst/>
-          </a:prstGeom>
-          <a:noFill/>
-        </p:spPr>
-        <p:txBody>
-          <a:bodyPr wrap="none" rtlCol="0">
-            <a:spAutoFit/>
-          </a:bodyPr>
-          <a:lstStyle/>
-          <a:p>
-            <a:r>
-              <a:rPr lang="zh-CN" altLang="en-US" dirty="0">
-                <a:solidFill>
-                  <a:schemeClr val="bg1"/>
-                </a:solidFill>
-                <a:latin typeface="微软雅黑" pitchFamily="34" charset="-122"/>
-                <a:ea typeface="微软雅黑" pitchFamily="34" charset="-122"/>
-              </a:rPr>
-              <a:t>网络工程专业</a:t>
-            </a:r>
-            <a:r>
-              <a:rPr lang="en-US" altLang="zh-CN" dirty="0">
-                <a:solidFill>
-                  <a:schemeClr val="bg1"/>
-                </a:solidFill>
-                <a:latin typeface="微软雅黑" pitchFamily="34" charset="-122"/>
-                <a:ea typeface="微软雅黑" pitchFamily="34" charset="-122"/>
-              </a:rPr>
-              <a:t> 2018</a:t>
-            </a:r>
-            <a:r>
-              <a:rPr lang="zh-CN" altLang="en-US" dirty="0">
-                <a:solidFill>
-                  <a:schemeClr val="bg1"/>
-                </a:solidFill>
-                <a:latin typeface="微软雅黑" pitchFamily="34" charset="-122"/>
-                <a:ea typeface="微软雅黑" pitchFamily="34" charset="-122"/>
-              </a:rPr>
-              <a:t>级本科</a:t>
-            </a:r>
-          </a:p>
-        </p:txBody>
-      </p:sp>
-      <p:sp>
-        <p:nvSpPr>
-          <p:cNvPr id="85" name="PA_文本框 84"/>
-          <p:cNvSpPr txBox="1"/>
-          <p:nvPr>
-            <p:custDataLst>
-              <p:tags r:id="rId6"/>
-            </p:custDataLst>
-          </p:nvPr>
-        </p:nvSpPr>
-        <p:spPr>
-          <a:xfrm>
-            <a:off x="3184990" y="3058353"/>
-            <a:ext cx="2561920" cy="307777"/>
+            <a:off x="3117114" y="3078317"/>
+            <a:ext cx="2909771" cy="307777"/>
           </a:xfrm>
           <a:prstGeom prst="rect">
             <a:avLst/>
@@ -2490,7 +2514,7 @@
                 <a:latin typeface="微软雅黑" pitchFamily="34" charset="-122"/>
                 <a:ea typeface="微软雅黑" pitchFamily="34" charset="-122"/>
               </a:rPr>
-              <a:t>班级：</a:t>
+              <a:t>指导教师：陈鸿</a:t>
             </a:r>
             <a:r>
               <a:rPr lang="en-US" altLang="zh-CN" sz="1400" dirty="0">
@@ -2500,7 +2524,7 @@
                 <a:latin typeface="微软雅黑" pitchFamily="34" charset="-122"/>
                 <a:ea typeface="微软雅黑" pitchFamily="34" charset="-122"/>
               </a:rPr>
-              <a:t>1802   </a:t>
+              <a:t>    </a:t>
             </a:r>
             <a:r>
               <a:rPr lang="zh-CN" altLang="en-US" sz="1400" dirty="0">
@@ -2523,7 +2547,7 @@
           </p:cNvCxnSpPr>
           <p:nvPr>
             <p:custDataLst>
-              <p:tags r:id="rId7"/>
+              <p:tags r:id="rId6"/>
             </p:custDataLst>
           </p:nvPr>
         </p:nvCxnSpPr>
@@ -2560,7 +2584,7 @@
           </p:cNvCxnSpPr>
           <p:nvPr>
             <p:custDataLst>
-              <p:tags r:id="rId8"/>
+              <p:tags r:id="rId7"/>
             </p:custDataLst>
           </p:nvPr>
         </p:nvCxnSpPr>
@@ -2604,7 +2628,7 @@
           <p:nvPr/>
         </p:nvPicPr>
         <p:blipFill>
-          <a:blip r:embed="rId11">
+          <a:blip r:embed="rId10">
             <a:extLst>
               <a:ext uri="{28A0092B-C50C-407E-A947-70E740481C1C}">
                 <a14:useLocalDpi xmlns:a14="http://schemas.microsoft.com/office/drawing/2010/main" val="0"/>
@@ -2786,114 +2810,15 @@
                                   </p:childTnLst>
                                 </p:cTn>
                               </p:par>
-                            </p:childTnLst>
-                          </p:cTn>
-                        </p:par>
-                      </p:childTnLst>
-                    </p:cTn>
-                  </p:par>
-                  <p:par>
-                    <p:cTn id="16" fill="hold">
-                      <p:stCondLst>
-                        <p:cond delay="indefinite"/>
-                      </p:stCondLst>
-                      <p:childTnLst>
-                        <p:par>
-                          <p:cTn id="17" fill="hold">
-                            <p:stCondLst>
-                              <p:cond delay="0"/>
-                            </p:stCondLst>
-                            <p:childTnLst>
                               <p:par>
-                                <p:cTn id="18" presetID="42" presetClass="entr" presetSubtype="0" fill="hold" grpId="0" nodeType="clickEffect">
+                                <p:cTn id="16" presetID="16" presetClass="entr" presetSubtype="21" fill="hold" nodeType="withEffect">
                                   <p:stCondLst>
                                     <p:cond delay="0"/>
                                   </p:stCondLst>
                                   <p:childTnLst>
                                     <p:set>
                                       <p:cBhvr>
-                                        <p:cTn id="19" dur="1" fill="hold">
-                                          <p:stCondLst>
-                                            <p:cond delay="0"/>
-                                          </p:stCondLst>
-                                        </p:cTn>
-                                        <p:tgtEl>
-                                          <p:spTgt spid="54"/>
-                                        </p:tgtEl>
-                                        <p:attrNameLst>
-                                          <p:attrName>style.visibility</p:attrName>
-                                        </p:attrNameLst>
-                                      </p:cBhvr>
-                                      <p:to>
-                                        <p:strVal val="visible"/>
-                                      </p:to>
-                                    </p:set>
-                                    <p:animEffect transition="in" filter="fade">
-                                      <p:cBhvr>
-                                        <p:cTn id="20" dur="500"/>
-                                        <p:tgtEl>
-                                          <p:spTgt spid="54"/>
-                                        </p:tgtEl>
-                                      </p:cBhvr>
-                                    </p:animEffect>
-                                    <p:anim calcmode="lin" valueType="num">
-                                      <p:cBhvr>
-                                        <p:cTn id="21" dur="500" fill="hold"/>
-                                        <p:tgtEl>
-                                          <p:spTgt spid="54"/>
-                                        </p:tgtEl>
-                                        <p:attrNameLst>
-                                          <p:attrName>ppt_x</p:attrName>
-                                        </p:attrNameLst>
-                                      </p:cBhvr>
-                                      <p:tavLst>
-                                        <p:tav tm="0">
-                                          <p:val>
-                                            <p:strVal val="#ppt_x"/>
-                                          </p:val>
-                                        </p:tav>
-                                        <p:tav tm="100000">
-                                          <p:val>
-                                            <p:strVal val="#ppt_x"/>
-                                          </p:val>
-                                        </p:tav>
-                                      </p:tavLst>
-                                    </p:anim>
-                                    <p:anim calcmode="lin" valueType="num">
-                                      <p:cBhvr>
-                                        <p:cTn id="22" dur="500" fill="hold"/>
-                                        <p:tgtEl>
-                                          <p:spTgt spid="54"/>
-                                        </p:tgtEl>
-                                        <p:attrNameLst>
-                                          <p:attrName>ppt_y</p:attrName>
-                                        </p:attrNameLst>
-                                      </p:cBhvr>
-                                      <p:tavLst>
-                                        <p:tav tm="0">
-                                          <p:val>
-                                            <p:strVal val="#ppt_y+.1"/>
-                                          </p:val>
-                                        </p:tav>
-                                        <p:tav tm="100000">
-                                          <p:val>
-                                            <p:strVal val="#ppt_y"/>
-                                          </p:val>
-                                        </p:tav>
-                                      </p:tavLst>
-                                    </p:anim>
-                                  </p:childTnLst>
-                                </p:cTn>
-                              </p:par>
-                              <p:par>
-                                <p:cTn id="23" presetID="16" presetClass="entr" presetSubtype="21" fill="hold" nodeType="withEffect">
-                                  <p:stCondLst>
-                                    <p:cond delay="0"/>
-                                  </p:stCondLst>
-                                  <p:childTnLst>
-                                    <p:set>
-                                      <p:cBhvr>
-                                        <p:cTn id="24" dur="1" fill="hold">
+                                        <p:cTn id="17" dur="1" fill="hold">
                                           <p:stCondLst>
                                             <p:cond delay="0"/>
                                           </p:stCondLst>
@@ -2911,7 +2836,7 @@
                                     </p:set>
                                     <p:animEffect transition="in" filter="barn(inVertical)">
                                       <p:cBhvr>
-                                        <p:cTn id="25" dur="500"/>
+                                        <p:cTn id="18" dur="500"/>
                                         <p:tgtEl>
                                           <p:spTgt spid="18"/>
                                         </p:tgtEl>
@@ -2927,26 +2852,26 @@
                     </p:cTn>
                   </p:par>
                   <p:par>
-                    <p:cTn id="26" fill="hold">
+                    <p:cTn id="19" fill="hold">
                       <p:stCondLst>
                         <p:cond delay="indefinite"/>
                       </p:stCondLst>
                       <p:childTnLst>
                         <p:par>
-                          <p:cTn id="27" fill="hold">
+                          <p:cTn id="20" fill="hold">
                             <p:stCondLst>
                               <p:cond delay="0"/>
                             </p:stCondLst>
                             <p:childTnLst>
                               <p:par>
-                                <p:cTn id="28" presetID="5" presetClass="entr" presetSubtype="10" fill="hold" grpId="0" nodeType="clickEffect">
+                                <p:cTn id="21" presetID="5" presetClass="entr" presetSubtype="10" fill="hold" grpId="0" nodeType="clickEffect">
                                   <p:stCondLst>
                                     <p:cond delay="0"/>
                                   </p:stCondLst>
                                   <p:childTnLst>
                                     <p:set>
                                       <p:cBhvr>
-                                        <p:cTn id="29" dur="1" fill="hold">
+                                        <p:cTn id="22" dur="1" fill="hold">
                                           <p:stCondLst>
                                             <p:cond delay="0"/>
                                           </p:stCondLst>
@@ -2964,7 +2889,7 @@
                                     </p:set>
                                     <p:animEffect transition="in" filter="checkerboard(across)">
                                       <p:cBhvr>
-                                        <p:cTn id="30" dur="500"/>
+                                        <p:cTn id="23" dur="500"/>
                                         <p:tgtEl>
                                           <p:spTgt spid="55"/>
                                         </p:tgtEl>
@@ -2980,26 +2905,26 @@
                     </p:cTn>
                   </p:par>
                   <p:par>
-                    <p:cTn id="31" fill="hold">
+                    <p:cTn id="24" fill="hold">
                       <p:stCondLst>
                         <p:cond delay="indefinite"/>
                       </p:stCondLst>
                       <p:childTnLst>
                         <p:par>
-                          <p:cTn id="32" fill="hold">
+                          <p:cTn id="25" fill="hold">
                             <p:stCondLst>
                               <p:cond delay="0"/>
                             </p:stCondLst>
                             <p:childTnLst>
                               <p:par>
-                                <p:cTn id="33" presetID="16" presetClass="entr" presetSubtype="21" fill="hold" grpId="0" nodeType="clickEffect">
+                                <p:cTn id="26" presetID="16" presetClass="entr" presetSubtype="21" fill="hold" grpId="0" nodeType="clickEffect">
                                   <p:stCondLst>
                                     <p:cond delay="0"/>
                                   </p:stCondLst>
                                   <p:childTnLst>
                                     <p:set>
                                       <p:cBhvr>
-                                        <p:cTn id="34" dur="1" fill="hold">
+                                        <p:cTn id="27" dur="1" fill="hold">
                                           <p:stCondLst>
                                             <p:cond delay="0"/>
                                           </p:stCondLst>
@@ -3017,7 +2942,7 @@
                                     </p:set>
                                     <p:animEffect transition="in" filter="barn(inVertical)">
                                       <p:cBhvr>
-                                        <p:cTn id="35" dur="500"/>
+                                        <p:cTn id="28" dur="500"/>
                                         <p:tgtEl>
                                           <p:spTgt spid="32"/>
                                         </p:tgtEl>
@@ -3027,14 +2952,14 @@
                                 </p:cTn>
                               </p:par>
                               <p:par>
-                                <p:cTn id="36" presetID="16" presetClass="entr" presetSubtype="21" fill="hold" grpId="0" nodeType="withEffect">
+                                <p:cTn id="29" presetID="16" presetClass="entr" presetSubtype="21" fill="hold" grpId="0" nodeType="withEffect">
                                   <p:stCondLst>
                                     <p:cond delay="0"/>
                                   </p:stCondLst>
                                   <p:childTnLst>
                                     <p:set>
                                       <p:cBhvr>
-                                        <p:cTn id="37" dur="1" fill="hold">
+                                        <p:cTn id="30" dur="1" fill="hold">
                                           <p:stCondLst>
                                             <p:cond delay="0"/>
                                           </p:stCondLst>
@@ -3052,7 +2977,7 @@
                                     </p:set>
                                     <p:animEffect transition="in" filter="barn(inVertical)">
                                       <p:cBhvr>
-                                        <p:cTn id="38" dur="500"/>
+                                        <p:cTn id="31" dur="500"/>
                                         <p:tgtEl>
                                           <p:spTgt spid="85"/>
                                         </p:tgtEl>
@@ -3092,7 +3017,6 @@
       <p:bldP spid="5" grpId="0" animBg="1"/>
       <p:bldP spid="32" grpId="0" animBg="1"/>
       <p:bldP spid="55" grpId="0"/>
-      <p:bldP spid="54" grpId="0"/>
       <p:bldP spid="85" grpId="0"/>
     </p:bldLst>
   </p:timing>
@@ -6045,10 +5969,10 @@
       </p:sp>
       <p:pic>
         <p:nvPicPr>
-          <p:cNvPr id="6" name="图片 5">
+          <p:cNvPr id="4" name="图片 3">
             <a:extLst>
               <a:ext uri="{FF2B5EF4-FFF2-40B4-BE49-F238E27FC236}">
-                <a16:creationId xmlns:a16="http://schemas.microsoft.com/office/drawing/2014/main" id="{A7F9D8E0-2841-4A0B-ACE8-1CD0CB4F5272}"/>
+                <a16:creationId xmlns:a16="http://schemas.microsoft.com/office/drawing/2014/main" id="{9D3C07FF-98CB-4FC9-A684-A665CF97453E}"/>
               </a:ext>
             </a:extLst>
           </p:cNvPr>
@@ -6065,8 +5989,8 @@
         </p:blipFill>
         <p:spPr>
           <a:xfrm>
-            <a:off x="0" y="807678"/>
-            <a:ext cx="9144000" cy="3528144"/>
+            <a:off x="683568" y="987574"/>
+            <a:ext cx="7848872" cy="3567344"/>
           </a:xfrm>
           <a:prstGeom prst="rect">
             <a:avLst/>
@@ -7056,1253 +6980,6 @@
       </p:grpSpPr>
       <p:sp>
         <p:nvSpPr>
-          <p:cNvPr id="13" name="Rectangle 1"/>
-          <p:cNvSpPr/>
-          <p:nvPr/>
-        </p:nvSpPr>
-        <p:spPr>
-          <a:xfrm rot="16200000">
-            <a:off x="4010776" y="600531"/>
-            <a:ext cx="1770522" cy="3816423"/>
-          </a:xfrm>
-          <a:prstGeom prst="rect">
-            <a:avLst/>
-          </a:prstGeom>
-          <a:solidFill>
-            <a:srgbClr val="13436C"/>
-          </a:solidFill>
-          <a:ln w="19050">
-            <a:solidFill>
-              <a:schemeClr val="accent1"/>
-            </a:solidFill>
-          </a:ln>
-        </p:spPr>
-        <p:style>
-          <a:lnRef idx="1">
-            <a:schemeClr val="accent1"/>
-          </a:lnRef>
-          <a:fillRef idx="0">
-            <a:schemeClr val="accent1"/>
-          </a:fillRef>
-          <a:effectRef idx="0">
-            <a:schemeClr val="accent1"/>
-          </a:effectRef>
-          <a:fontRef idx="minor">
-            <a:schemeClr val="tx1"/>
-          </a:fontRef>
-        </p:style>
-        <p:txBody>
-          <a:bodyPr wrap="square" tIns="2160000" anchor="t" anchorCtr="1">
-            <a:normAutofit/>
-          </a:bodyPr>
-          <a:lstStyle/>
-          <a:p>
-            <a:pPr algn="ctr">
-              <a:lnSpc>
-                <a:spcPct val="120000"/>
-              </a:lnSpc>
-            </a:pPr>
-            <a:endParaRPr lang="zh-CN" altLang="en-US" sz="1100" dirty="0"/>
-          </a:p>
-        </p:txBody>
-      </p:sp>
-      <p:sp>
-        <p:nvSpPr>
-          <p:cNvPr id="14" name="TextBox 2"/>
-          <p:cNvSpPr txBox="1"/>
-          <p:nvPr/>
-        </p:nvSpPr>
-        <p:spPr>
-          <a:xfrm>
-            <a:off x="899592" y="1814586"/>
-            <a:ext cx="2160240" cy="2016223"/>
-          </a:xfrm>
-          <a:prstGeom prst="rect">
-            <a:avLst/>
-          </a:prstGeom>
-          <a:noFill/>
-        </p:spPr>
-        <p:txBody>
-          <a:bodyPr wrap="square" lIns="0" tIns="0" rIns="0" bIns="0">
-            <a:normAutofit fontScale="85000" lnSpcReduction="20000"/>
-          </a:bodyPr>
-          <a:lstStyle/>
-          <a:p>
-            <a:r>
-              <a:rPr lang="en-US" altLang="zh-CN" sz="19200" dirty="0">
-                <a:solidFill>
-                  <a:srgbClr val="13436C"/>
-                </a:solidFill>
-                <a:latin typeface="Bernard MT Condensed" panose="02050806060905020404" pitchFamily="18" charset="0"/>
-              </a:rPr>
-              <a:t>06</a:t>
-            </a:r>
-            <a:endParaRPr lang="zh-CN" altLang="en-US" sz="19200" dirty="0">
-              <a:solidFill>
-                <a:srgbClr val="13436C"/>
-              </a:solidFill>
-              <a:latin typeface="Bernard MT Condensed" panose="02050806060905020404" pitchFamily="18" charset="0"/>
-            </a:endParaRPr>
-          </a:p>
-        </p:txBody>
-      </p:sp>
-      <p:sp>
-        <p:nvSpPr>
-          <p:cNvPr id="11" name="TextBox 40"/>
-          <p:cNvSpPr txBox="1"/>
-          <p:nvPr/>
-        </p:nvSpPr>
-        <p:spPr>
-          <a:xfrm>
-            <a:off x="3978638" y="2154470"/>
-            <a:ext cx="1944216" cy="708544"/>
-          </a:xfrm>
-          <a:prstGeom prst="rect">
-            <a:avLst/>
-          </a:prstGeom>
-          <a:noFill/>
-        </p:spPr>
-        <p:txBody>
-          <a:bodyPr wrap="none" lIns="0" tIns="0" rIns="0" bIns="0" anchor="ctr" anchorCtr="0">
-            <a:normAutofit/>
-          </a:bodyPr>
-          <a:lstStyle/>
-          <a:p>
-            <a:r>
-              <a:rPr lang="zh-CN" altLang="en-US" sz="2800" b="1" dirty="0">
-                <a:solidFill>
-                  <a:schemeClr val="bg1"/>
-                </a:solidFill>
-              </a:rPr>
-              <a:t>实现时间安排</a:t>
-            </a:r>
-          </a:p>
-        </p:txBody>
-      </p:sp>
-    </p:spTree>
-    <p:extLst>
-      <p:ext uri="{BB962C8B-B14F-4D97-AF65-F5344CB8AC3E}">
-        <p14:creationId xmlns:p14="http://schemas.microsoft.com/office/powerpoint/2010/main" val="3580121139"/>
-      </p:ext>
-    </p:extLst>
-  </p:cSld>
-  <p:clrMapOvr>
-    <a:masterClrMapping/>
-  </p:clrMapOvr>
-  <mc:AlternateContent xmlns:mc="http://schemas.openxmlformats.org/markup-compatibility/2006" xmlns:p14="http://schemas.microsoft.com/office/powerpoint/2010/main">
-    <mc:Choice Requires="p14">
-      <p:transition p14:dur="10"/>
-    </mc:Choice>
-    <mc:Fallback xmlns="">
-      <p:transition/>
-    </mc:Fallback>
-  </mc:AlternateContent>
-  <p:timing>
-    <p:tnLst>
-      <p:par>
-        <p:cTn id="1" dur="indefinite" restart="never" nodeType="tmRoot">
-          <p:childTnLst>
-            <p:seq concurrent="1" nextAc="seek">
-              <p:cTn id="2" dur="indefinite" nodeType="mainSeq">
-                <p:childTnLst>
-                  <p:par>
-                    <p:cTn id="3" fill="hold">
-                      <p:stCondLst>
-                        <p:cond delay="indefinite"/>
-                        <p:cond evt="onBegin" delay="0">
-                          <p:tn val="2"/>
-                        </p:cond>
-                      </p:stCondLst>
-                      <p:childTnLst>
-                        <p:par>
-                          <p:cTn id="4" fill="hold">
-                            <p:stCondLst>
-                              <p:cond delay="0"/>
-                            </p:stCondLst>
-                            <p:childTnLst>
-                              <p:par>
-                                <p:cTn id="5" presetID="53" presetClass="entr" presetSubtype="16" fill="hold" grpId="0" nodeType="afterEffect">
-                                  <p:stCondLst>
-                                    <p:cond delay="0"/>
-                                  </p:stCondLst>
-                                  <p:childTnLst>
-                                    <p:set>
-                                      <p:cBhvr>
-                                        <p:cTn id="6" dur="1" fill="hold">
-                                          <p:stCondLst>
-                                            <p:cond delay="0"/>
-                                          </p:stCondLst>
-                                        </p:cTn>
-                                        <p:tgtEl>
-                                          <p:spTgt spid="14"/>
-                                        </p:tgtEl>
-                                        <p:attrNameLst>
-                                          <p:attrName>style.visibility</p:attrName>
-                                        </p:attrNameLst>
-                                      </p:cBhvr>
-                                      <p:to>
-                                        <p:strVal val="visible"/>
-                                      </p:to>
-                                    </p:set>
-                                    <p:anim calcmode="lin" valueType="num">
-                                      <p:cBhvr>
-                                        <p:cTn id="7" dur="500" fill="hold"/>
-                                        <p:tgtEl>
-                                          <p:spTgt spid="14"/>
-                                        </p:tgtEl>
-                                        <p:attrNameLst>
-                                          <p:attrName>ppt_w</p:attrName>
-                                        </p:attrNameLst>
-                                      </p:cBhvr>
-                                      <p:tavLst>
-                                        <p:tav tm="0">
-                                          <p:val>
-                                            <p:fltVal val="0"/>
-                                          </p:val>
-                                        </p:tav>
-                                        <p:tav tm="100000">
-                                          <p:val>
-                                            <p:strVal val="#ppt_w"/>
-                                          </p:val>
-                                        </p:tav>
-                                      </p:tavLst>
-                                    </p:anim>
-                                    <p:anim calcmode="lin" valueType="num">
-                                      <p:cBhvr>
-                                        <p:cTn id="8" dur="500" fill="hold"/>
-                                        <p:tgtEl>
-                                          <p:spTgt spid="14"/>
-                                        </p:tgtEl>
-                                        <p:attrNameLst>
-                                          <p:attrName>ppt_h</p:attrName>
-                                        </p:attrNameLst>
-                                      </p:cBhvr>
-                                      <p:tavLst>
-                                        <p:tav tm="0">
-                                          <p:val>
-                                            <p:fltVal val="0"/>
-                                          </p:val>
-                                        </p:tav>
-                                        <p:tav tm="100000">
-                                          <p:val>
-                                            <p:strVal val="#ppt_h"/>
-                                          </p:val>
-                                        </p:tav>
-                                      </p:tavLst>
-                                    </p:anim>
-                                    <p:animEffect transition="in" filter="fade">
-                                      <p:cBhvr>
-                                        <p:cTn id="9" dur="500"/>
-                                        <p:tgtEl>
-                                          <p:spTgt spid="14"/>
-                                        </p:tgtEl>
-                                      </p:cBhvr>
-                                    </p:animEffect>
-                                  </p:childTnLst>
-                                </p:cTn>
-                              </p:par>
-                            </p:childTnLst>
-                          </p:cTn>
-                        </p:par>
-                        <p:par>
-                          <p:cTn id="10" fill="hold">
-                            <p:stCondLst>
-                              <p:cond delay="500"/>
-                            </p:stCondLst>
-                            <p:childTnLst>
-                              <p:par>
-                                <p:cTn id="11" presetID="22" presetClass="entr" presetSubtype="2" fill="hold" grpId="0" nodeType="afterEffect">
-                                  <p:stCondLst>
-                                    <p:cond delay="0"/>
-                                  </p:stCondLst>
-                                  <p:childTnLst>
-                                    <p:set>
-                                      <p:cBhvr>
-                                        <p:cTn id="12" dur="1" fill="hold">
-                                          <p:stCondLst>
-                                            <p:cond delay="0"/>
-                                          </p:stCondLst>
-                                        </p:cTn>
-                                        <p:tgtEl>
-                                          <p:spTgt spid="13"/>
-                                        </p:tgtEl>
-                                        <p:attrNameLst>
-                                          <p:attrName>style.visibility</p:attrName>
-                                        </p:attrNameLst>
-                                      </p:cBhvr>
-                                      <p:to>
-                                        <p:strVal val="visible"/>
-                                      </p:to>
-                                    </p:set>
-                                    <p:animEffect transition="in" filter="wipe(right)">
-                                      <p:cBhvr>
-                                        <p:cTn id="13" dur="500"/>
-                                        <p:tgtEl>
-                                          <p:spTgt spid="13"/>
-                                        </p:tgtEl>
-                                      </p:cBhvr>
-                                    </p:animEffect>
-                                  </p:childTnLst>
-                                </p:cTn>
-                              </p:par>
-                            </p:childTnLst>
-                          </p:cTn>
-                        </p:par>
-                        <p:par>
-                          <p:cTn id="14" fill="hold">
-                            <p:stCondLst>
-                              <p:cond delay="1000"/>
-                            </p:stCondLst>
-                            <p:childTnLst>
-                              <p:par>
-                                <p:cTn id="15" presetID="53" presetClass="entr" presetSubtype="16" fill="hold" grpId="0" nodeType="afterEffect">
-                                  <p:stCondLst>
-                                    <p:cond delay="0"/>
-                                  </p:stCondLst>
-                                  <p:childTnLst>
-                                    <p:set>
-                                      <p:cBhvr>
-                                        <p:cTn id="16" dur="1" fill="hold">
-                                          <p:stCondLst>
-                                            <p:cond delay="0"/>
-                                          </p:stCondLst>
-                                        </p:cTn>
-                                        <p:tgtEl>
-                                          <p:spTgt spid="11"/>
-                                        </p:tgtEl>
-                                        <p:attrNameLst>
-                                          <p:attrName>style.visibility</p:attrName>
-                                        </p:attrNameLst>
-                                      </p:cBhvr>
-                                      <p:to>
-                                        <p:strVal val="visible"/>
-                                      </p:to>
-                                    </p:set>
-                                    <p:anim calcmode="lin" valueType="num">
-                                      <p:cBhvr>
-                                        <p:cTn id="17" dur="500" fill="hold"/>
-                                        <p:tgtEl>
-                                          <p:spTgt spid="11"/>
-                                        </p:tgtEl>
-                                        <p:attrNameLst>
-                                          <p:attrName>ppt_w</p:attrName>
-                                        </p:attrNameLst>
-                                      </p:cBhvr>
-                                      <p:tavLst>
-                                        <p:tav tm="0">
-                                          <p:val>
-                                            <p:fltVal val="0"/>
-                                          </p:val>
-                                        </p:tav>
-                                        <p:tav tm="100000">
-                                          <p:val>
-                                            <p:strVal val="#ppt_w"/>
-                                          </p:val>
-                                        </p:tav>
-                                      </p:tavLst>
-                                    </p:anim>
-                                    <p:anim calcmode="lin" valueType="num">
-                                      <p:cBhvr>
-                                        <p:cTn id="18" dur="500" fill="hold"/>
-                                        <p:tgtEl>
-                                          <p:spTgt spid="11"/>
-                                        </p:tgtEl>
-                                        <p:attrNameLst>
-                                          <p:attrName>ppt_h</p:attrName>
-                                        </p:attrNameLst>
-                                      </p:cBhvr>
-                                      <p:tavLst>
-                                        <p:tav tm="0">
-                                          <p:val>
-                                            <p:fltVal val="0"/>
-                                          </p:val>
-                                        </p:tav>
-                                        <p:tav tm="100000">
-                                          <p:val>
-                                            <p:strVal val="#ppt_h"/>
-                                          </p:val>
-                                        </p:tav>
-                                      </p:tavLst>
-                                    </p:anim>
-                                    <p:animEffect transition="in" filter="fade">
-                                      <p:cBhvr>
-                                        <p:cTn id="19" dur="500"/>
-                                        <p:tgtEl>
-                                          <p:spTgt spid="11"/>
-                                        </p:tgtEl>
-                                      </p:cBhvr>
-                                    </p:animEffect>
-                                  </p:childTnLst>
-                                </p:cTn>
-                              </p:par>
-                            </p:childTnLst>
-                          </p:cTn>
-                        </p:par>
-                      </p:childTnLst>
-                    </p:cTn>
-                  </p:par>
-                </p:childTnLst>
-              </p:cTn>
-              <p:prevCondLst>
-                <p:cond evt="onPrev" delay="0">
-                  <p:tgtEl>
-                    <p:sldTgt/>
-                  </p:tgtEl>
-                </p:cond>
-              </p:prevCondLst>
-              <p:nextCondLst>
-                <p:cond evt="onNext" delay="0">
-                  <p:tgtEl>
-                    <p:sldTgt/>
-                  </p:tgtEl>
-                </p:cond>
-              </p:nextCondLst>
-            </p:seq>
-          </p:childTnLst>
-        </p:cTn>
-      </p:par>
-    </p:tnLst>
-    <p:bldLst>
-      <p:bldP spid="13" grpId="0" animBg="1"/>
-      <p:bldP spid="14" grpId="0"/>
-      <p:bldP spid="11" grpId="0"/>
-    </p:bldLst>
-  </p:timing>
-</p:sld>
-</file>
-
-<file path=ppt/slides/slide18.xml><?xml version="1.0" encoding="utf-8"?>
-<p:sld xmlns:a="http://schemas.openxmlformats.org/drawingml/2006/main" xmlns:r="http://schemas.openxmlformats.org/officeDocument/2006/relationships" xmlns:p="http://schemas.openxmlformats.org/presentationml/2006/main">
-  <p:cSld>
-    <p:spTree>
-      <p:nvGrpSpPr>
-        <p:cNvPr id="1" name=""/>
-        <p:cNvGrpSpPr/>
-        <p:nvPr/>
-      </p:nvGrpSpPr>
-      <p:grpSpPr>
-        <a:xfrm>
-          <a:off x="0" y="0"/>
-          <a:ext cx="0" cy="0"/>
-          <a:chOff x="0" y="0"/>
-          <a:chExt cx="0" cy="0"/>
-        </a:xfrm>
-      </p:grpSpPr>
-      <p:sp>
-        <p:nvSpPr>
-          <p:cNvPr id="2" name="文本框 19">
-            <a:extLst>
-              <a:ext uri="{FF2B5EF4-FFF2-40B4-BE49-F238E27FC236}">
-                <a16:creationId xmlns:a16="http://schemas.microsoft.com/office/drawing/2014/main" id="{55A279AC-8795-4AA1-8D2B-3C79C9B4823A}"/>
-              </a:ext>
-            </a:extLst>
-          </p:cNvPr>
-          <p:cNvSpPr txBox="1"/>
-          <p:nvPr/>
-        </p:nvSpPr>
-        <p:spPr>
-          <a:xfrm>
-            <a:off x="555256" y="147907"/>
-            <a:ext cx="2031325" cy="369332"/>
-          </a:xfrm>
-          <a:prstGeom prst="rect">
-            <a:avLst/>
-          </a:prstGeom>
-          <a:noFill/>
-        </p:spPr>
-        <p:txBody>
-          <a:bodyPr wrap="none" rtlCol="0">
-            <a:spAutoFit/>
-          </a:bodyPr>
-          <a:lstStyle/>
-          <a:p>
-            <a:r>
-              <a:rPr lang="zh-CN" altLang="en-US" b="1" dirty="0">
-                <a:solidFill>
-                  <a:srgbClr val="13436C"/>
-                </a:solidFill>
-                <a:latin typeface="微软雅黑" pitchFamily="34" charset="-122"/>
-                <a:ea typeface="微软雅黑" pitchFamily="34" charset="-122"/>
-              </a:rPr>
-              <a:t>系统设计时间安排</a:t>
-            </a:r>
-          </a:p>
-        </p:txBody>
-      </p:sp>
-      <p:sp>
-        <p:nvSpPr>
-          <p:cNvPr id="4" name="文本框 3">
-            <a:extLst>
-              <a:ext uri="{FF2B5EF4-FFF2-40B4-BE49-F238E27FC236}">
-                <a16:creationId xmlns:a16="http://schemas.microsoft.com/office/drawing/2014/main" id="{1831E0EC-772B-4A6A-B19D-07295BCA6033}"/>
-              </a:ext>
-            </a:extLst>
-          </p:cNvPr>
-          <p:cNvSpPr txBox="1"/>
-          <p:nvPr/>
-        </p:nvSpPr>
-        <p:spPr>
-          <a:xfrm>
-            <a:off x="1475656" y="1679198"/>
-            <a:ext cx="6192688" cy="1785104"/>
-          </a:xfrm>
-          <a:prstGeom prst="rect">
-            <a:avLst/>
-          </a:prstGeom>
-          <a:noFill/>
-        </p:spPr>
-        <p:txBody>
-          <a:bodyPr wrap="square" lIns="0" tIns="0" rIns="0" bIns="0" rtlCol="0">
-            <a:spAutoFit/>
-          </a:bodyPr>
-          <a:lstStyle/>
-          <a:p>
-            <a:r>
-              <a:rPr lang="x-none" altLang="zh-CN" sz="2000" b="1" dirty="0">
-                <a:solidFill>
-                  <a:schemeClr val="accent6"/>
-                </a:solidFill>
-                <a:latin typeface="微软雅黑" pitchFamily="34" charset="-122"/>
-                <a:ea typeface="微软雅黑" pitchFamily="34" charset="-122"/>
-              </a:rPr>
-              <a:t>2021</a:t>
-            </a:r>
-            <a:r>
-              <a:rPr lang="zh-CN" altLang="zh-CN" sz="2000" b="1" dirty="0">
-                <a:solidFill>
-                  <a:schemeClr val="accent6"/>
-                </a:solidFill>
-                <a:latin typeface="微软雅黑" pitchFamily="34" charset="-122"/>
-                <a:ea typeface="微软雅黑" pitchFamily="34" charset="-122"/>
-              </a:rPr>
-              <a:t>年</a:t>
-            </a:r>
-            <a:r>
-              <a:rPr lang="x-none" altLang="zh-CN" sz="2000" b="1" dirty="0">
-                <a:solidFill>
-                  <a:schemeClr val="accent6"/>
-                </a:solidFill>
-                <a:latin typeface="微软雅黑" pitchFamily="34" charset="-122"/>
-                <a:ea typeface="微软雅黑" pitchFamily="34" charset="-122"/>
-              </a:rPr>
-              <a:t>11</a:t>
-            </a:r>
-            <a:r>
-              <a:rPr lang="zh-CN" altLang="zh-CN" sz="2000" b="1" dirty="0">
-                <a:solidFill>
-                  <a:schemeClr val="accent6"/>
-                </a:solidFill>
-                <a:latin typeface="微软雅黑" pitchFamily="34" charset="-122"/>
-                <a:ea typeface="微软雅黑" pitchFamily="34" charset="-122"/>
-              </a:rPr>
-              <a:t>月</a:t>
-            </a:r>
-            <a:r>
-              <a:rPr lang="x-none" altLang="zh-CN" sz="2000" b="1" dirty="0">
-                <a:solidFill>
-                  <a:schemeClr val="accent6"/>
-                </a:solidFill>
-                <a:latin typeface="微软雅黑" pitchFamily="34" charset="-122"/>
-                <a:ea typeface="微软雅黑" pitchFamily="34" charset="-122"/>
-              </a:rPr>
-              <a:t>15</a:t>
-            </a:r>
-            <a:r>
-              <a:rPr lang="zh-CN" altLang="zh-CN" sz="2000" b="1" dirty="0">
-                <a:solidFill>
-                  <a:schemeClr val="accent6"/>
-                </a:solidFill>
-                <a:latin typeface="微软雅黑" pitchFamily="34" charset="-122"/>
-                <a:ea typeface="微软雅黑" pitchFamily="34" charset="-122"/>
-              </a:rPr>
-              <a:t>日—</a:t>
-            </a:r>
-            <a:r>
-              <a:rPr lang="x-none" altLang="zh-CN" sz="2000" b="1" dirty="0">
-                <a:solidFill>
-                  <a:schemeClr val="accent6"/>
-                </a:solidFill>
-                <a:latin typeface="微软雅黑" pitchFamily="34" charset="-122"/>
-                <a:ea typeface="微软雅黑" pitchFamily="34" charset="-122"/>
-              </a:rPr>
-              <a:t>2021</a:t>
-            </a:r>
-            <a:r>
-              <a:rPr lang="zh-CN" altLang="zh-CN" sz="2000" b="1" dirty="0">
-                <a:solidFill>
-                  <a:schemeClr val="accent6"/>
-                </a:solidFill>
-                <a:latin typeface="微软雅黑" pitchFamily="34" charset="-122"/>
-                <a:ea typeface="微软雅黑" pitchFamily="34" charset="-122"/>
-              </a:rPr>
-              <a:t>年</a:t>
-            </a:r>
-            <a:r>
-              <a:rPr lang="x-none" altLang="zh-CN" sz="2000" b="1" dirty="0">
-                <a:solidFill>
-                  <a:schemeClr val="accent6"/>
-                </a:solidFill>
-                <a:latin typeface="微软雅黑" pitchFamily="34" charset="-122"/>
-                <a:ea typeface="微软雅黑" pitchFamily="34" charset="-122"/>
-              </a:rPr>
-              <a:t>11</a:t>
-            </a:r>
-            <a:r>
-              <a:rPr lang="zh-CN" altLang="zh-CN" sz="2000" b="1" dirty="0">
-                <a:solidFill>
-                  <a:schemeClr val="accent6"/>
-                </a:solidFill>
-                <a:latin typeface="微软雅黑" pitchFamily="34" charset="-122"/>
-                <a:ea typeface="微软雅黑" pitchFamily="34" charset="-122"/>
-              </a:rPr>
-              <a:t>月</a:t>
-            </a:r>
-            <a:r>
-              <a:rPr lang="x-none" altLang="zh-CN" sz="2000" b="1" dirty="0">
-                <a:solidFill>
-                  <a:schemeClr val="accent6"/>
-                </a:solidFill>
-                <a:latin typeface="微软雅黑" pitchFamily="34" charset="-122"/>
-                <a:ea typeface="微软雅黑" pitchFamily="34" charset="-122"/>
-              </a:rPr>
-              <a:t>29</a:t>
-            </a:r>
-            <a:r>
-              <a:rPr lang="zh-CN" altLang="zh-CN" sz="2000" b="1" dirty="0">
-                <a:solidFill>
-                  <a:schemeClr val="accent6"/>
-                </a:solidFill>
-                <a:latin typeface="微软雅黑" pitchFamily="34" charset="-122"/>
-                <a:ea typeface="微软雅黑" pitchFamily="34" charset="-122"/>
-              </a:rPr>
-              <a:t>日：研究任务书；</a:t>
-            </a:r>
-          </a:p>
-          <a:p>
-            <a:r>
-              <a:rPr lang="x-none" altLang="zh-CN" sz="2000" b="1" dirty="0">
-                <a:solidFill>
-                  <a:schemeClr val="accent6"/>
-                </a:solidFill>
-                <a:latin typeface="微软雅黑" pitchFamily="34" charset="-122"/>
-                <a:ea typeface="微软雅黑" pitchFamily="34" charset="-122"/>
-              </a:rPr>
-              <a:t>2021</a:t>
-            </a:r>
-            <a:r>
-              <a:rPr lang="zh-CN" altLang="zh-CN" sz="2000" b="1" dirty="0">
-                <a:solidFill>
-                  <a:schemeClr val="accent6"/>
-                </a:solidFill>
-                <a:latin typeface="微软雅黑" pitchFamily="34" charset="-122"/>
-                <a:ea typeface="微软雅黑" pitchFamily="34" charset="-122"/>
-              </a:rPr>
-              <a:t>年</a:t>
-            </a:r>
-            <a:r>
-              <a:rPr lang="x-none" altLang="zh-CN" sz="2000" b="1" dirty="0">
-                <a:solidFill>
-                  <a:schemeClr val="accent6"/>
-                </a:solidFill>
-                <a:latin typeface="微软雅黑" pitchFamily="34" charset="-122"/>
-                <a:ea typeface="微软雅黑" pitchFamily="34" charset="-122"/>
-              </a:rPr>
-              <a:t>12</a:t>
-            </a:r>
-            <a:r>
-              <a:rPr lang="zh-CN" altLang="zh-CN" sz="2000" b="1" dirty="0">
-                <a:solidFill>
-                  <a:schemeClr val="accent6"/>
-                </a:solidFill>
-                <a:latin typeface="微软雅黑" pitchFamily="34" charset="-122"/>
-                <a:ea typeface="微软雅黑" pitchFamily="34" charset="-122"/>
-              </a:rPr>
-              <a:t>月</a:t>
-            </a:r>
-            <a:r>
-              <a:rPr lang="x-none" altLang="zh-CN" sz="2000" b="1" dirty="0">
-                <a:solidFill>
-                  <a:schemeClr val="accent6"/>
-                </a:solidFill>
-                <a:latin typeface="微软雅黑" pitchFamily="34" charset="-122"/>
-                <a:ea typeface="微软雅黑" pitchFamily="34" charset="-122"/>
-              </a:rPr>
-              <a:t>1</a:t>
-            </a:r>
-            <a:r>
-              <a:rPr lang="zh-CN" altLang="zh-CN" sz="2000" b="1" dirty="0">
-                <a:solidFill>
-                  <a:schemeClr val="accent6"/>
-                </a:solidFill>
-                <a:latin typeface="微软雅黑" pitchFamily="34" charset="-122"/>
-                <a:ea typeface="微软雅黑" pitchFamily="34" charset="-122"/>
-              </a:rPr>
-              <a:t>日—</a:t>
-            </a:r>
-            <a:r>
-              <a:rPr lang="x-none" altLang="zh-CN" sz="2000" b="1" dirty="0">
-                <a:solidFill>
-                  <a:schemeClr val="accent6"/>
-                </a:solidFill>
-                <a:latin typeface="微软雅黑" pitchFamily="34" charset="-122"/>
-                <a:ea typeface="微软雅黑" pitchFamily="34" charset="-122"/>
-              </a:rPr>
-              <a:t>2021</a:t>
-            </a:r>
-            <a:r>
-              <a:rPr lang="zh-CN" altLang="zh-CN" sz="2000" b="1" dirty="0">
-                <a:solidFill>
-                  <a:schemeClr val="accent6"/>
-                </a:solidFill>
-                <a:latin typeface="微软雅黑" pitchFamily="34" charset="-122"/>
-                <a:ea typeface="微软雅黑" pitchFamily="34" charset="-122"/>
-              </a:rPr>
-              <a:t>年</a:t>
-            </a:r>
-            <a:r>
-              <a:rPr lang="x-none" altLang="zh-CN" sz="2000" b="1" dirty="0">
-                <a:solidFill>
-                  <a:schemeClr val="accent6"/>
-                </a:solidFill>
-                <a:latin typeface="微软雅黑" pitchFamily="34" charset="-122"/>
-                <a:ea typeface="微软雅黑" pitchFamily="34" charset="-122"/>
-              </a:rPr>
-              <a:t>12</a:t>
-            </a:r>
-            <a:r>
-              <a:rPr lang="zh-CN" altLang="zh-CN" sz="2000" b="1" dirty="0">
-                <a:solidFill>
-                  <a:schemeClr val="accent6"/>
-                </a:solidFill>
-                <a:latin typeface="微软雅黑" pitchFamily="34" charset="-122"/>
-                <a:ea typeface="微软雅黑" pitchFamily="34" charset="-122"/>
-              </a:rPr>
-              <a:t>月</a:t>
-            </a:r>
-            <a:r>
-              <a:rPr lang="x-none" altLang="zh-CN" sz="2000" b="1" dirty="0">
-                <a:solidFill>
-                  <a:schemeClr val="accent6"/>
-                </a:solidFill>
-                <a:latin typeface="微软雅黑" pitchFamily="34" charset="-122"/>
-                <a:ea typeface="微软雅黑" pitchFamily="34" charset="-122"/>
-              </a:rPr>
-              <a:t>10</a:t>
-            </a:r>
-            <a:r>
-              <a:rPr lang="zh-CN" altLang="zh-CN" sz="2000" b="1" dirty="0">
-                <a:solidFill>
-                  <a:schemeClr val="accent6"/>
-                </a:solidFill>
-                <a:latin typeface="微软雅黑" pitchFamily="34" charset="-122"/>
-                <a:ea typeface="微软雅黑" pitchFamily="34" charset="-122"/>
-              </a:rPr>
-              <a:t>日：完成综述、翻译；</a:t>
-            </a:r>
-          </a:p>
-          <a:p>
-            <a:r>
-              <a:rPr lang="x-none" altLang="zh-CN" sz="2000" b="1" dirty="0">
-                <a:solidFill>
-                  <a:schemeClr val="accent6"/>
-                </a:solidFill>
-                <a:latin typeface="微软雅黑" pitchFamily="34" charset="-122"/>
-                <a:ea typeface="微软雅黑" pitchFamily="34" charset="-122"/>
-              </a:rPr>
-              <a:t>2021</a:t>
-            </a:r>
-            <a:r>
-              <a:rPr lang="zh-CN" altLang="zh-CN" sz="2000" b="1" dirty="0">
-                <a:solidFill>
-                  <a:schemeClr val="accent6"/>
-                </a:solidFill>
-                <a:latin typeface="微软雅黑" pitchFamily="34" charset="-122"/>
-                <a:ea typeface="微软雅黑" pitchFamily="34" charset="-122"/>
-              </a:rPr>
-              <a:t>年</a:t>
-            </a:r>
-            <a:r>
-              <a:rPr lang="x-none" altLang="zh-CN" sz="2000" b="1" dirty="0">
-                <a:solidFill>
-                  <a:schemeClr val="accent6"/>
-                </a:solidFill>
-                <a:latin typeface="微软雅黑" pitchFamily="34" charset="-122"/>
-                <a:ea typeface="微软雅黑" pitchFamily="34" charset="-122"/>
-              </a:rPr>
-              <a:t>12</a:t>
-            </a:r>
-            <a:r>
-              <a:rPr lang="zh-CN" altLang="zh-CN" sz="2000" b="1" dirty="0">
-                <a:solidFill>
-                  <a:schemeClr val="accent6"/>
-                </a:solidFill>
-                <a:latin typeface="微软雅黑" pitchFamily="34" charset="-122"/>
-                <a:ea typeface="微软雅黑" pitchFamily="34" charset="-122"/>
-              </a:rPr>
-              <a:t>月</a:t>
-            </a:r>
-            <a:r>
-              <a:rPr lang="x-none" altLang="zh-CN" sz="2000" b="1" dirty="0">
-                <a:solidFill>
-                  <a:schemeClr val="accent6"/>
-                </a:solidFill>
-                <a:latin typeface="微软雅黑" pitchFamily="34" charset="-122"/>
-                <a:ea typeface="微软雅黑" pitchFamily="34" charset="-122"/>
-              </a:rPr>
-              <a:t>11</a:t>
-            </a:r>
-            <a:r>
-              <a:rPr lang="zh-CN" altLang="zh-CN" sz="2000" b="1" dirty="0">
-                <a:solidFill>
-                  <a:schemeClr val="accent6"/>
-                </a:solidFill>
-                <a:latin typeface="微软雅黑" pitchFamily="34" charset="-122"/>
-                <a:ea typeface="微软雅黑" pitchFamily="34" charset="-122"/>
-              </a:rPr>
-              <a:t>日—</a:t>
-            </a:r>
-            <a:r>
-              <a:rPr lang="x-none" altLang="zh-CN" sz="2000" b="1" dirty="0">
-                <a:solidFill>
-                  <a:schemeClr val="accent6"/>
-                </a:solidFill>
-                <a:latin typeface="微软雅黑" pitchFamily="34" charset="-122"/>
-                <a:ea typeface="微软雅黑" pitchFamily="34" charset="-122"/>
-              </a:rPr>
-              <a:t>2021</a:t>
-            </a:r>
-            <a:r>
-              <a:rPr lang="zh-CN" altLang="zh-CN" sz="2000" b="1" dirty="0">
-                <a:solidFill>
-                  <a:schemeClr val="accent6"/>
-                </a:solidFill>
-                <a:latin typeface="微软雅黑" pitchFamily="34" charset="-122"/>
-                <a:ea typeface="微软雅黑" pitchFamily="34" charset="-122"/>
-              </a:rPr>
-              <a:t>年</a:t>
-            </a:r>
-            <a:r>
-              <a:rPr lang="x-none" altLang="zh-CN" sz="2000" b="1" dirty="0">
-                <a:solidFill>
-                  <a:schemeClr val="accent6"/>
-                </a:solidFill>
-                <a:latin typeface="微软雅黑" pitchFamily="34" charset="-122"/>
-                <a:ea typeface="微软雅黑" pitchFamily="34" charset="-122"/>
-              </a:rPr>
-              <a:t>12</a:t>
-            </a:r>
-            <a:r>
-              <a:rPr lang="zh-CN" altLang="zh-CN" sz="2000" b="1" dirty="0">
-                <a:solidFill>
-                  <a:schemeClr val="accent6"/>
-                </a:solidFill>
-                <a:latin typeface="微软雅黑" pitchFamily="34" charset="-122"/>
-                <a:ea typeface="微软雅黑" pitchFamily="34" charset="-122"/>
-              </a:rPr>
-              <a:t>月</a:t>
-            </a:r>
-            <a:r>
-              <a:rPr lang="x-none" altLang="zh-CN" sz="2000" b="1" dirty="0">
-                <a:solidFill>
-                  <a:schemeClr val="accent6"/>
-                </a:solidFill>
-                <a:latin typeface="微软雅黑" pitchFamily="34" charset="-122"/>
-                <a:ea typeface="微软雅黑" pitchFamily="34" charset="-122"/>
-              </a:rPr>
-              <a:t>20</a:t>
-            </a:r>
-            <a:r>
-              <a:rPr lang="zh-CN" altLang="zh-CN" sz="2000" b="1" dirty="0">
-                <a:solidFill>
-                  <a:schemeClr val="accent6"/>
-                </a:solidFill>
-                <a:latin typeface="微软雅黑" pitchFamily="34" charset="-122"/>
-                <a:ea typeface="微软雅黑" pitchFamily="34" charset="-122"/>
-              </a:rPr>
-              <a:t>日：中期检查；</a:t>
-            </a:r>
-          </a:p>
-          <a:p>
-            <a:r>
-              <a:rPr lang="x-none" altLang="zh-CN" sz="2000" b="1" dirty="0">
-                <a:solidFill>
-                  <a:schemeClr val="accent6"/>
-                </a:solidFill>
-                <a:latin typeface="微软雅黑" pitchFamily="34" charset="-122"/>
-                <a:ea typeface="微软雅黑" pitchFamily="34" charset="-122"/>
-              </a:rPr>
-              <a:t>2021</a:t>
-            </a:r>
-            <a:r>
-              <a:rPr lang="zh-CN" altLang="zh-CN" sz="2000" b="1" dirty="0">
-                <a:solidFill>
-                  <a:schemeClr val="accent6"/>
-                </a:solidFill>
-                <a:latin typeface="微软雅黑" pitchFamily="34" charset="-122"/>
-                <a:ea typeface="微软雅黑" pitchFamily="34" charset="-122"/>
-              </a:rPr>
-              <a:t>年</a:t>
-            </a:r>
-            <a:r>
-              <a:rPr lang="x-none" altLang="zh-CN" sz="2000" b="1" dirty="0">
-                <a:solidFill>
-                  <a:schemeClr val="accent6"/>
-                </a:solidFill>
-                <a:latin typeface="微软雅黑" pitchFamily="34" charset="-122"/>
-                <a:ea typeface="微软雅黑" pitchFamily="34" charset="-122"/>
-              </a:rPr>
-              <a:t>12</a:t>
-            </a:r>
-            <a:r>
-              <a:rPr lang="zh-CN" altLang="zh-CN" sz="2000" b="1" dirty="0">
-                <a:solidFill>
-                  <a:schemeClr val="accent6"/>
-                </a:solidFill>
-                <a:latin typeface="微软雅黑" pitchFamily="34" charset="-122"/>
-                <a:ea typeface="微软雅黑" pitchFamily="34" charset="-122"/>
-              </a:rPr>
-              <a:t>月</a:t>
-            </a:r>
-            <a:r>
-              <a:rPr lang="x-none" altLang="zh-CN" sz="2000" b="1" dirty="0">
-                <a:solidFill>
-                  <a:schemeClr val="accent6"/>
-                </a:solidFill>
-                <a:latin typeface="微软雅黑" pitchFamily="34" charset="-122"/>
-                <a:ea typeface="微软雅黑" pitchFamily="34" charset="-122"/>
-              </a:rPr>
-              <a:t>21</a:t>
-            </a:r>
-            <a:r>
-              <a:rPr lang="zh-CN" altLang="zh-CN" sz="2000" b="1" dirty="0">
-                <a:solidFill>
-                  <a:schemeClr val="accent6"/>
-                </a:solidFill>
-                <a:latin typeface="微软雅黑" pitchFamily="34" charset="-122"/>
-                <a:ea typeface="微软雅黑" pitchFamily="34" charset="-122"/>
-              </a:rPr>
-              <a:t>日—</a:t>
-            </a:r>
-            <a:r>
-              <a:rPr lang="x-none" altLang="zh-CN" sz="2000" b="1" dirty="0">
-                <a:solidFill>
-                  <a:schemeClr val="accent6"/>
-                </a:solidFill>
-                <a:latin typeface="微软雅黑" pitchFamily="34" charset="-122"/>
-                <a:ea typeface="微软雅黑" pitchFamily="34" charset="-122"/>
-              </a:rPr>
-              <a:t>2022</a:t>
-            </a:r>
-            <a:r>
-              <a:rPr lang="zh-CN" altLang="zh-CN" sz="2000" b="1" dirty="0">
-                <a:solidFill>
-                  <a:schemeClr val="accent6"/>
-                </a:solidFill>
-                <a:latin typeface="微软雅黑" pitchFamily="34" charset="-122"/>
-                <a:ea typeface="微软雅黑" pitchFamily="34" charset="-122"/>
-              </a:rPr>
-              <a:t>年</a:t>
-            </a:r>
-            <a:r>
-              <a:rPr lang="x-none" altLang="zh-CN" sz="2000" b="1" dirty="0">
-                <a:solidFill>
-                  <a:schemeClr val="accent6"/>
-                </a:solidFill>
-                <a:latin typeface="微软雅黑" pitchFamily="34" charset="-122"/>
-                <a:ea typeface="微软雅黑" pitchFamily="34" charset="-122"/>
-              </a:rPr>
-              <a:t>2</a:t>
-            </a:r>
-            <a:r>
-              <a:rPr lang="zh-CN" altLang="zh-CN" sz="2000" b="1" dirty="0">
-                <a:solidFill>
-                  <a:schemeClr val="accent6"/>
-                </a:solidFill>
-                <a:latin typeface="微软雅黑" pitchFamily="34" charset="-122"/>
-                <a:ea typeface="微软雅黑" pitchFamily="34" charset="-122"/>
-              </a:rPr>
-              <a:t>月</a:t>
-            </a:r>
-            <a:r>
-              <a:rPr lang="x-none" altLang="zh-CN" sz="2000" b="1" dirty="0">
-                <a:solidFill>
-                  <a:schemeClr val="accent6"/>
-                </a:solidFill>
-                <a:latin typeface="微软雅黑" pitchFamily="34" charset="-122"/>
-                <a:ea typeface="微软雅黑" pitchFamily="34" charset="-122"/>
-              </a:rPr>
-              <a:t>21</a:t>
-            </a:r>
-            <a:r>
-              <a:rPr lang="zh-CN" altLang="zh-CN" sz="2000" b="1" dirty="0">
-                <a:solidFill>
-                  <a:schemeClr val="accent6"/>
-                </a:solidFill>
-                <a:latin typeface="微软雅黑" pitchFamily="34" charset="-122"/>
-                <a:ea typeface="微软雅黑" pitchFamily="34" charset="-122"/>
-              </a:rPr>
-              <a:t>日：完成论文初稿；</a:t>
-            </a:r>
-          </a:p>
-          <a:p>
-            <a:r>
-              <a:rPr lang="x-none" altLang="zh-CN" sz="2000" b="1" dirty="0">
-                <a:solidFill>
-                  <a:schemeClr val="accent6"/>
-                </a:solidFill>
-                <a:latin typeface="微软雅黑" pitchFamily="34" charset="-122"/>
-                <a:ea typeface="微软雅黑" pitchFamily="34" charset="-122"/>
-              </a:rPr>
-              <a:t>2022</a:t>
-            </a:r>
-            <a:r>
-              <a:rPr lang="zh-CN" altLang="zh-CN" sz="2000" b="1" dirty="0">
-                <a:solidFill>
-                  <a:schemeClr val="accent6"/>
-                </a:solidFill>
-                <a:latin typeface="微软雅黑" pitchFamily="34" charset="-122"/>
-                <a:ea typeface="微软雅黑" pitchFamily="34" charset="-122"/>
-              </a:rPr>
-              <a:t>年</a:t>
-            </a:r>
-            <a:r>
-              <a:rPr lang="x-none" altLang="zh-CN" sz="2000" b="1" dirty="0">
-                <a:solidFill>
-                  <a:schemeClr val="accent6"/>
-                </a:solidFill>
-                <a:latin typeface="微软雅黑" pitchFamily="34" charset="-122"/>
-                <a:ea typeface="微软雅黑" pitchFamily="34" charset="-122"/>
-              </a:rPr>
-              <a:t>2</a:t>
-            </a:r>
-            <a:r>
-              <a:rPr lang="zh-CN" altLang="zh-CN" sz="2000" b="1" dirty="0">
-                <a:solidFill>
-                  <a:schemeClr val="accent6"/>
-                </a:solidFill>
-                <a:latin typeface="微软雅黑" pitchFamily="34" charset="-122"/>
-                <a:ea typeface="微软雅黑" pitchFamily="34" charset="-122"/>
-              </a:rPr>
-              <a:t>月</a:t>
-            </a:r>
-            <a:r>
-              <a:rPr lang="x-none" altLang="zh-CN" sz="2000" b="1" dirty="0">
-                <a:solidFill>
-                  <a:schemeClr val="accent6"/>
-                </a:solidFill>
-                <a:latin typeface="微软雅黑" pitchFamily="34" charset="-122"/>
-                <a:ea typeface="微软雅黑" pitchFamily="34" charset="-122"/>
-              </a:rPr>
-              <a:t>22</a:t>
-            </a:r>
-            <a:r>
-              <a:rPr lang="zh-CN" altLang="zh-CN" sz="2000" b="1" dirty="0">
-                <a:solidFill>
-                  <a:schemeClr val="accent6"/>
-                </a:solidFill>
-                <a:latin typeface="微软雅黑" pitchFamily="34" charset="-122"/>
-                <a:ea typeface="微软雅黑" pitchFamily="34" charset="-122"/>
-              </a:rPr>
-              <a:t>日—</a:t>
-            </a:r>
-            <a:r>
-              <a:rPr lang="x-none" altLang="zh-CN" sz="2000" b="1" dirty="0">
-                <a:solidFill>
-                  <a:schemeClr val="accent6"/>
-                </a:solidFill>
-                <a:latin typeface="微软雅黑" pitchFamily="34" charset="-122"/>
-                <a:ea typeface="微软雅黑" pitchFamily="34" charset="-122"/>
-              </a:rPr>
-              <a:t>2022</a:t>
-            </a:r>
-            <a:r>
-              <a:rPr lang="zh-CN" altLang="zh-CN" sz="2000" b="1" dirty="0">
-                <a:solidFill>
-                  <a:schemeClr val="accent6"/>
-                </a:solidFill>
-                <a:latin typeface="微软雅黑" pitchFamily="34" charset="-122"/>
-                <a:ea typeface="微软雅黑" pitchFamily="34" charset="-122"/>
-              </a:rPr>
-              <a:t>年</a:t>
-            </a:r>
-            <a:r>
-              <a:rPr lang="x-none" altLang="zh-CN" sz="2000" b="1" dirty="0">
-                <a:solidFill>
-                  <a:schemeClr val="accent6"/>
-                </a:solidFill>
-                <a:latin typeface="微软雅黑" pitchFamily="34" charset="-122"/>
-                <a:ea typeface="微软雅黑" pitchFamily="34" charset="-122"/>
-              </a:rPr>
-              <a:t>3</a:t>
-            </a:r>
-            <a:r>
-              <a:rPr lang="zh-CN" altLang="zh-CN" sz="2000" b="1" dirty="0">
-                <a:solidFill>
-                  <a:schemeClr val="accent6"/>
-                </a:solidFill>
-                <a:latin typeface="微软雅黑" pitchFamily="34" charset="-122"/>
-                <a:ea typeface="微软雅黑" pitchFamily="34" charset="-122"/>
-              </a:rPr>
-              <a:t>月</a:t>
-            </a:r>
-            <a:r>
-              <a:rPr lang="x-none" altLang="zh-CN" sz="2000" b="1" dirty="0">
-                <a:solidFill>
-                  <a:schemeClr val="accent6"/>
-                </a:solidFill>
-                <a:latin typeface="微软雅黑" pitchFamily="34" charset="-122"/>
-                <a:ea typeface="微软雅黑" pitchFamily="34" charset="-122"/>
-              </a:rPr>
-              <a:t>22</a:t>
-            </a:r>
-            <a:r>
-              <a:rPr lang="zh-CN" altLang="zh-CN" sz="2000" b="1" dirty="0">
-                <a:solidFill>
-                  <a:schemeClr val="accent6"/>
-                </a:solidFill>
-                <a:latin typeface="微软雅黑" pitchFamily="34" charset="-122"/>
-                <a:ea typeface="微软雅黑" pitchFamily="34" charset="-122"/>
-              </a:rPr>
-              <a:t>日：论文定稿。</a:t>
-            </a:r>
-          </a:p>
-          <a:p>
-            <a:endParaRPr lang="zh-CN" altLang="en-US" sz="1600" b="1" dirty="0">
-              <a:solidFill>
-                <a:schemeClr val="accent6"/>
-              </a:solidFill>
-              <a:latin typeface="微软雅黑" pitchFamily="34" charset="-122"/>
-              <a:ea typeface="微软雅黑" pitchFamily="34" charset="-122"/>
-            </a:endParaRPr>
-          </a:p>
-        </p:txBody>
-      </p:sp>
-    </p:spTree>
-    <p:extLst>
-      <p:ext uri="{BB962C8B-B14F-4D97-AF65-F5344CB8AC3E}">
-        <p14:creationId xmlns:p14="http://schemas.microsoft.com/office/powerpoint/2010/main" val="956424689"/>
-      </p:ext>
-    </p:extLst>
-  </p:cSld>
-  <p:clrMapOvr>
-    <a:masterClrMapping/>
-  </p:clrMapOvr>
-  <mc:AlternateContent xmlns:mc="http://schemas.openxmlformats.org/markup-compatibility/2006" xmlns:p14="http://schemas.microsoft.com/office/powerpoint/2010/main">
-    <mc:Choice Requires="p14">
-      <p:transition p14:dur="10"/>
-    </mc:Choice>
-    <mc:Fallback xmlns="">
-      <p:transition/>
-    </mc:Fallback>
-  </mc:AlternateContent>
-  <p:timing>
-    <p:tnLst>
-      <p:par>
-        <p:cTn id="1" dur="indefinite" restart="never" nodeType="tmRoot">
-          <p:childTnLst>
-            <p:seq concurrent="1" nextAc="seek">
-              <p:cTn id="2" dur="indefinite" nodeType="mainSeq">
-                <p:childTnLst>
-                  <p:par>
-                    <p:cTn id="3" fill="hold">
-                      <p:stCondLst>
-                        <p:cond delay="indefinite"/>
-                      </p:stCondLst>
-                      <p:childTnLst>
-                        <p:par>
-                          <p:cTn id="4" fill="hold">
-                            <p:stCondLst>
-                              <p:cond delay="0"/>
-                            </p:stCondLst>
-                            <p:childTnLst>
-                              <p:par>
-                                <p:cTn id="5" presetID="14" presetClass="entr" presetSubtype="10" fill="hold" grpId="0" nodeType="clickEffect">
-                                  <p:stCondLst>
-                                    <p:cond delay="0"/>
-                                  </p:stCondLst>
-                                  <p:childTnLst>
-                                    <p:set>
-                                      <p:cBhvr>
-                                        <p:cTn id="6" dur="1" fill="hold">
-                                          <p:stCondLst>
-                                            <p:cond delay="0"/>
-                                          </p:stCondLst>
-                                        </p:cTn>
-                                        <p:tgtEl>
-                                          <p:spTgt spid="2"/>
-                                        </p:tgtEl>
-                                        <p:attrNameLst>
-                                          <p:attrName>style.visibility</p:attrName>
-                                        </p:attrNameLst>
-                                      </p:cBhvr>
-                                      <p:to>
-                                        <p:strVal val="visible"/>
-                                      </p:to>
-                                    </p:set>
-                                    <p:animEffect transition="in" filter="randombar(horizontal)">
-                                      <p:cBhvr>
-                                        <p:cTn id="7" dur="500"/>
-                                        <p:tgtEl>
-                                          <p:spTgt spid="2"/>
-                                        </p:tgtEl>
-                                      </p:cBhvr>
-                                    </p:animEffect>
-                                  </p:childTnLst>
-                                </p:cTn>
-                              </p:par>
-                            </p:childTnLst>
-                          </p:cTn>
-                        </p:par>
-                      </p:childTnLst>
-                    </p:cTn>
-                  </p:par>
-                </p:childTnLst>
-              </p:cTn>
-              <p:prevCondLst>
-                <p:cond evt="onPrev" delay="0">
-                  <p:tgtEl>
-                    <p:sldTgt/>
-                  </p:tgtEl>
-                </p:cond>
-              </p:prevCondLst>
-              <p:nextCondLst>
-                <p:cond evt="onNext" delay="0">
-                  <p:tgtEl>
-                    <p:sldTgt/>
-                  </p:tgtEl>
-                </p:cond>
-              </p:nextCondLst>
-            </p:seq>
-          </p:childTnLst>
-        </p:cTn>
-      </p:par>
-    </p:tnLst>
-    <p:bldLst>
-      <p:bldP spid="2" grpId="0"/>
-    </p:bldLst>
-  </p:timing>
-</p:sld>
-</file>
-
-<file path=ppt/slides/slide19.xml><?xml version="1.0" encoding="utf-8"?>
-<p:sld xmlns:a="http://schemas.openxmlformats.org/drawingml/2006/main" xmlns:r="http://schemas.openxmlformats.org/officeDocument/2006/relationships" xmlns:p="http://schemas.openxmlformats.org/presentationml/2006/main">
-  <p:cSld>
-    <p:spTree>
-      <p:nvGrpSpPr>
-        <p:cNvPr id="1" name=""/>
-        <p:cNvGrpSpPr/>
-        <p:nvPr/>
-      </p:nvGrpSpPr>
-      <p:grpSpPr>
-        <a:xfrm>
-          <a:off x="0" y="0"/>
-          <a:ext cx="0" cy="0"/>
-          <a:chOff x="0" y="0"/>
-          <a:chExt cx="0" cy="0"/>
-        </a:xfrm>
-      </p:grpSpPr>
-      <p:sp>
-        <p:nvSpPr>
           <p:cNvPr id="27" name="TextBox 26"/>
           <p:cNvSpPr txBox="1"/>
           <p:nvPr/>
@@ -8338,7 +7015,7 @@
         </p:nvSpPr>
         <p:spPr>
           <a:xfrm>
-            <a:off x="0" y="1275606"/>
+            <a:off x="-1" y="1268555"/>
             <a:ext cx="9144000" cy="2880319"/>
           </a:xfrm>
           <a:prstGeom prst="rect">
@@ -8384,8 +7061,8 @@
         </p:nvSpPr>
         <p:spPr>
           <a:xfrm>
-            <a:off x="971600" y="2156251"/>
-            <a:ext cx="7848872" cy="830997"/>
+            <a:off x="2339752" y="2149200"/>
+            <a:ext cx="4896544" cy="830997"/>
           </a:xfrm>
           <a:prstGeom prst="rect">
             <a:avLst/>
@@ -8415,7 +7092,7 @@
                 <a:ea typeface="微软雅黑" pitchFamily="34" charset="-122"/>
                 <a:sym typeface="微软雅黑" pitchFamily="34" charset="-122"/>
               </a:rPr>
-              <a:t>感谢每位老师的耐心聆听</a:t>
+              <a:t>感谢老师的聆听</a:t>
             </a:r>
           </a:p>
         </p:txBody>
@@ -9260,130 +7937,6 @@
           </p:txBody>
         </p:sp>
       </p:grpSp>
-      <p:grpSp>
-        <p:nvGrpSpPr>
-          <p:cNvPr id="30" name="组合 29">
-            <a:extLst>
-              <a:ext uri="{FF2B5EF4-FFF2-40B4-BE49-F238E27FC236}">
-                <a16:creationId xmlns:a16="http://schemas.microsoft.com/office/drawing/2014/main" id="{0EC6F483-EA53-4CC0-8394-6EE14B1A225A}"/>
-              </a:ext>
-            </a:extLst>
-          </p:cNvPr>
-          <p:cNvGrpSpPr/>
-          <p:nvPr/>
-        </p:nvGrpSpPr>
-        <p:grpSpPr>
-          <a:xfrm>
-            <a:off x="3657260" y="4034769"/>
-            <a:ext cx="3310606" cy="468262"/>
-            <a:chOff x="3657260" y="3771890"/>
-            <a:chExt cx="3310606" cy="468262"/>
-          </a:xfrm>
-        </p:grpSpPr>
-        <p:sp>
-          <p:nvSpPr>
-            <p:cNvPr id="31" name="Diamond 24">
-              <a:extLst>
-                <a:ext uri="{FF2B5EF4-FFF2-40B4-BE49-F238E27FC236}">
-                  <a16:creationId xmlns:a16="http://schemas.microsoft.com/office/drawing/2014/main" id="{C8967052-28F8-4B94-A3F4-2987D3186236}"/>
-                </a:ext>
-              </a:extLst>
-            </p:cNvPr>
-            <p:cNvSpPr/>
-            <p:nvPr/>
-          </p:nvSpPr>
-          <p:spPr>
-            <a:xfrm>
-              <a:off x="3657260" y="3771890"/>
-              <a:ext cx="468262" cy="468262"/>
-            </a:xfrm>
-            <a:prstGeom prst="diamond">
-              <a:avLst/>
-            </a:prstGeom>
-            <a:solidFill>
-              <a:schemeClr val="accent5"/>
-            </a:solidFill>
-            <a:ln>
-              <a:noFill/>
-            </a:ln>
-          </p:spPr>
-          <p:style>
-            <a:lnRef idx="2">
-              <a:schemeClr val="accent1">
-                <a:shade val="50000"/>
-              </a:schemeClr>
-            </a:lnRef>
-            <a:fillRef idx="1">
-              <a:schemeClr val="accent1"/>
-            </a:fillRef>
-            <a:effectRef idx="0">
-              <a:schemeClr val="accent1"/>
-            </a:effectRef>
-            <a:fontRef idx="minor">
-              <a:schemeClr val="lt1"/>
-            </a:fontRef>
-          </p:style>
-          <p:txBody>
-            <a:bodyPr wrap="none" lIns="0" tIns="0" rIns="0" bIns="0" anchor="ctr">
-              <a:normAutofit fontScale="92500" lnSpcReduction="10000"/>
-            </a:bodyPr>
-            <a:lstStyle/>
-            <a:p>
-              <a:pPr algn="ctr"/>
-              <a:r>
-                <a:rPr lang="en-US" altLang="zh-CN" dirty="0">
-                  <a:solidFill>
-                    <a:schemeClr val="bg1"/>
-                  </a:solidFill>
-                  <a:latin typeface="Impact" panose="020B0806030902050204" pitchFamily="34" charset="0"/>
-                </a:rPr>
-                <a:t>06</a:t>
-              </a:r>
-            </a:p>
-          </p:txBody>
-        </p:sp>
-        <p:sp>
-          <p:nvSpPr>
-            <p:cNvPr id="34" name="TextBox 50">
-              <a:extLst>
-                <a:ext uri="{FF2B5EF4-FFF2-40B4-BE49-F238E27FC236}">
-                  <a16:creationId xmlns:a16="http://schemas.microsoft.com/office/drawing/2014/main" id="{3F5DE450-0C5F-4145-9337-3A7BE2956443}"/>
-                </a:ext>
-              </a:extLst>
-            </p:cNvPr>
-            <p:cNvSpPr txBox="1"/>
-            <p:nvPr/>
-          </p:nvSpPr>
-          <p:spPr>
-            <a:xfrm>
-              <a:off x="3995936" y="3921835"/>
-              <a:ext cx="2971930" cy="182148"/>
-            </a:xfrm>
-            <a:prstGeom prst="rect">
-              <a:avLst/>
-            </a:prstGeom>
-            <a:noFill/>
-          </p:spPr>
-          <p:txBody>
-            <a:bodyPr wrap="none" lIns="360000" tIns="0" rIns="0" bIns="0" anchor="b" anchorCtr="0">
-              <a:normAutofit fontScale="85000" lnSpcReduction="20000"/>
-            </a:bodyPr>
-            <a:lstStyle/>
-            <a:p>
-              <a:r>
-                <a:rPr lang="zh-CN" altLang="en-US" sz="1600" b="1" dirty="0">
-                  <a:solidFill>
-                    <a:schemeClr val="accent5">
-                      <a:lumMod val="100000"/>
-                    </a:schemeClr>
-                  </a:solidFill>
-                </a:rPr>
-                <a:t>实现时间安排</a:t>
-              </a:r>
-            </a:p>
-          </p:txBody>
-        </p:sp>
-      </p:grpSp>
     </p:spTree>
     <p:extLst>
       <p:ext uri="{BB962C8B-B14F-4D97-AF65-F5344CB8AC3E}">
@@ -9937,97 +8490,6 @@
                                         <p:cTn id="39" dur="500" fill="hold"/>
                                         <p:tgtEl>
                                           <p:spTgt spid="29"/>
-                                        </p:tgtEl>
-                                        <p:attrNameLst>
-                                          <p:attrName>ppt_y</p:attrName>
-                                        </p:attrNameLst>
-                                      </p:cBhvr>
-                                      <p:tavLst>
-                                        <p:tav tm="0">
-                                          <p:val>
-                                            <p:strVal val="1+#ppt_h/2"/>
-                                          </p:val>
-                                        </p:tav>
-                                        <p:tav tm="100000">
-                                          <p:val>
-                                            <p:strVal val="#ppt_y"/>
-                                          </p:val>
-                                        </p:tav>
-                                      </p:tavLst>
-                                    </p:anim>
-                                  </p:childTnLst>
-                                </p:cTn>
-                              </p:par>
-                            </p:childTnLst>
-                          </p:cTn>
-                        </p:par>
-                      </p:childTnLst>
-                    </p:cTn>
-                  </p:par>
-                  <p:par>
-                    <p:cTn id="40" fill="hold">
-                      <p:stCondLst>
-                        <p:cond delay="indefinite"/>
-                      </p:stCondLst>
-                      <p:childTnLst>
-                        <p:par>
-                          <p:cTn id="41" fill="hold">
-                            <p:stCondLst>
-                              <p:cond delay="0"/>
-                            </p:stCondLst>
-                            <p:childTnLst>
-                              <p:par>
-                                <p:cTn id="42" presetID="2" presetClass="entr" presetSubtype="6" fill="hold" nodeType="clickEffect">
-                                  <p:stCondLst>
-                                    <p:cond delay="0"/>
-                                  </p:stCondLst>
-                                  <p:childTnLst>
-                                    <p:set>
-                                      <p:cBhvr>
-                                        <p:cTn id="43" dur="1" fill="hold">
-                                          <p:stCondLst>
-                                            <p:cond delay="0"/>
-                                          </p:stCondLst>
-                                        </p:cTn>
-                                        <p:tgtEl>
-                                          <p:spTgt spid="30"/>
-                                        </p:tgtEl>
-                                        <p:attrNameLst>
-                                          <p:attrName>style.visibility</p:attrName>
-                                        </p:attrNameLst>
-                                      </p:cBhvr>
-                                      <p:to>
-                                        <p:strVal val="visible"/>
-                                      </p:to>
-                                    </p:set>
-                                    <p:anim calcmode="lin" valueType="num">
-                                      <p:cBhvr additive="base">
-                                        <p:cTn id="44" dur="500" fill="hold"/>
-                                        <p:tgtEl>
-                                          <p:spTgt spid="30"/>
-                                        </p:tgtEl>
-                                        <p:attrNameLst>
-                                          <p:attrName>ppt_x</p:attrName>
-                                        </p:attrNameLst>
-                                      </p:cBhvr>
-                                      <p:tavLst>
-                                        <p:tav tm="0">
-                                          <p:val>
-                                            <p:strVal val="1+#ppt_w/2"/>
-                                          </p:val>
-                                        </p:tav>
-                                        <p:tav tm="100000">
-                                          <p:val>
-                                            <p:strVal val="#ppt_x"/>
-                                          </p:val>
-                                        </p:tav>
-                                      </p:tavLst>
-                                    </p:anim>
-                                    <p:anim calcmode="lin" valueType="num">
-                                      <p:cBhvr additive="base">
-                                        <p:cTn id="45" dur="500" fill="hold"/>
-                                        <p:tgtEl>
-                                          <p:spTgt spid="30"/>
                                         </p:tgtEl>
                                         <p:attrNameLst>
                                           <p:attrName>ppt_y</p:attrName>
@@ -10709,8 +9171,8 @@
         </p:nvSpPr>
         <p:spPr>
           <a:xfrm>
-            <a:off x="539354" y="771550"/>
-            <a:ext cx="8136904" cy="4104456"/>
+            <a:off x="611560" y="1140882"/>
+            <a:ext cx="8136904" cy="3816424"/>
           </a:xfrm>
           <a:prstGeom prst="rect">
             <a:avLst/>
@@ -10892,7 +9354,15 @@
               </a:spcBef>
             </a:pPr>
             <a:r>
-              <a:rPr lang="zh-CN" altLang="en-US" sz="2800" dirty="0">
+              <a:rPr lang="en-US" altLang="zh-CN" sz="2000" dirty="0">
+                <a:latin typeface="微软雅黑" panose="020B0503020204020204" pitchFamily="34" charset="-122"/>
+                <a:ea typeface="微软雅黑" panose="020B0503020204020204" pitchFamily="34" charset="-122"/>
+                <a:cs typeface="+mn-cs"/>
+              </a:rPr>
+              <a:t>1.</a:t>
+            </a:r>
+            <a:r>
+              <a:rPr lang="zh-CN" altLang="en-US" sz="2000" dirty="0">
                 <a:latin typeface="微软雅黑" panose="020B0503020204020204" pitchFamily="34" charset="-122"/>
                 <a:ea typeface="微软雅黑" panose="020B0503020204020204" pitchFamily="34" charset="-122"/>
                 <a:cs typeface="+mn-cs"/>
@@ -10900,7 +9370,7 @@
               <a:t>在</a:t>
             </a:r>
             <a:r>
-              <a:rPr lang="en-US" altLang="zh-CN" sz="2800" dirty="0">
+              <a:rPr lang="en-US" altLang="zh-CN" sz="2000" dirty="0">
                 <a:latin typeface="微软雅黑" panose="020B0503020204020204" pitchFamily="34" charset="-122"/>
                 <a:ea typeface="微软雅黑" panose="020B0503020204020204" pitchFamily="34" charset="-122"/>
                 <a:cs typeface="+mn-cs"/>
@@ -10908,14 +9378,107 @@
               <a:t>Internet</a:t>
             </a:r>
             <a:r>
-              <a:rPr lang="zh-CN" altLang="en-US" sz="2800" dirty="0">
+              <a:rPr lang="zh-CN" altLang="en-US" sz="2000" dirty="0">
                 <a:latin typeface="微软雅黑" panose="020B0503020204020204" pitchFamily="34" charset="-122"/>
                 <a:ea typeface="微软雅黑" panose="020B0503020204020204" pitchFamily="34" charset="-122"/>
                 <a:cs typeface="+mn-cs"/>
               </a:rPr>
-              <a:t>飞速发展的今天，互联网已经进入千家万户，社会进入网络时代，网络给我们带来了很多便利。不仅企业、政府的正常工作离不开网络，教育事业同样需要网络。远程教育成为现代教育技术发展方向之一，在线考试作为远程教育的一个子系统也成为一个重要的研究领域。将网络技术应用在现代高等教育中，是现代高等教育发展的需要，也是改革教育模式，提高学校教学效果和教学效率、提高科研和管理水平的必要手段</a:t>
+              <a:t>飞速发展的今天，互联网已经进入千家万户，社会进入网络时代。</a:t>
             </a:r>
-            <a:endParaRPr lang="en-US" sz="2800" dirty="0">
+            <a:endParaRPr lang="en-US" altLang="zh-CN" sz="2000" dirty="0">
+              <a:latin typeface="微软雅黑" panose="020B0503020204020204" pitchFamily="34" charset="-122"/>
+              <a:ea typeface="微软雅黑" panose="020B0503020204020204" pitchFamily="34" charset="-122"/>
+              <a:cs typeface="+mn-cs"/>
+            </a:endParaRPr>
+          </a:p>
+          <a:p>
+            <a:pPr algn="just">
+              <a:lnSpc>
+                <a:spcPct val="100000"/>
+              </a:lnSpc>
+              <a:spcBef>
+                <a:spcPts val="0"/>
+              </a:spcBef>
+            </a:pPr>
+            <a:r>
+              <a:rPr lang="en-US" altLang="zh-CN" sz="2000" dirty="0">
+                <a:latin typeface="微软雅黑" panose="020B0503020204020204" pitchFamily="34" charset="-122"/>
+                <a:ea typeface="微软雅黑" panose="020B0503020204020204" pitchFamily="34" charset="-122"/>
+                <a:cs typeface="+mn-cs"/>
+              </a:rPr>
+              <a:t>2.</a:t>
+            </a:r>
+            <a:r>
+              <a:rPr lang="zh-CN" altLang="en-US" sz="2000" dirty="0">
+                <a:latin typeface="微软雅黑" panose="020B0503020204020204" pitchFamily="34" charset="-122"/>
+                <a:ea typeface="微软雅黑" panose="020B0503020204020204" pitchFamily="34" charset="-122"/>
+                <a:cs typeface="+mn-cs"/>
+              </a:rPr>
+              <a:t>不仅企业、政府的正常工作离不开网络，教育事业同样需要网络。</a:t>
+            </a:r>
+            <a:endParaRPr lang="en-US" altLang="zh-CN" sz="2000" dirty="0">
+              <a:latin typeface="微软雅黑" panose="020B0503020204020204" pitchFamily="34" charset="-122"/>
+              <a:ea typeface="微软雅黑" panose="020B0503020204020204" pitchFamily="34" charset="-122"/>
+              <a:cs typeface="+mn-cs"/>
+            </a:endParaRPr>
+          </a:p>
+          <a:p>
+            <a:pPr algn="just">
+              <a:lnSpc>
+                <a:spcPct val="100000"/>
+              </a:lnSpc>
+              <a:spcBef>
+                <a:spcPts val="0"/>
+              </a:spcBef>
+            </a:pPr>
+            <a:r>
+              <a:rPr lang="en-US" altLang="zh-CN" sz="2000" dirty="0">
+                <a:latin typeface="微软雅黑" panose="020B0503020204020204" pitchFamily="34" charset="-122"/>
+                <a:ea typeface="微软雅黑" panose="020B0503020204020204" pitchFamily="34" charset="-122"/>
+                <a:cs typeface="+mn-cs"/>
+              </a:rPr>
+              <a:t>3.</a:t>
+            </a:r>
+            <a:r>
+              <a:rPr lang="zh-CN" altLang="en-US" sz="2000" dirty="0">
+                <a:latin typeface="微软雅黑" panose="020B0503020204020204" pitchFamily="34" charset="-122"/>
+                <a:ea typeface="微软雅黑" panose="020B0503020204020204" pitchFamily="34" charset="-122"/>
+                <a:cs typeface="+mn-cs"/>
+              </a:rPr>
+              <a:t>远程教育成为现代教育技术发展方向之一，在线考试作为远程教育的一个子系统也成为一个重要的研究领域。</a:t>
+            </a:r>
+            <a:endParaRPr lang="en-US" altLang="zh-CN" sz="2000" dirty="0">
+              <a:latin typeface="微软雅黑" panose="020B0503020204020204" pitchFamily="34" charset="-122"/>
+              <a:ea typeface="微软雅黑" panose="020B0503020204020204" pitchFamily="34" charset="-122"/>
+              <a:cs typeface="+mn-cs"/>
+            </a:endParaRPr>
+          </a:p>
+          <a:p>
+            <a:pPr algn="just">
+              <a:lnSpc>
+                <a:spcPct val="100000"/>
+              </a:lnSpc>
+              <a:spcBef>
+                <a:spcPts val="0"/>
+              </a:spcBef>
+            </a:pPr>
+            <a:r>
+              <a:rPr lang="en-US" altLang="zh-CN" sz="2000" dirty="0">
+                <a:latin typeface="微软雅黑" panose="020B0503020204020204" pitchFamily="34" charset="-122"/>
+                <a:ea typeface="微软雅黑" panose="020B0503020204020204" pitchFamily="34" charset="-122"/>
+                <a:cs typeface="+mn-cs"/>
+              </a:rPr>
+              <a:t>4.</a:t>
+            </a:r>
+            <a:r>
+              <a:rPr lang="zh-CN" altLang="en-US" sz="2000" dirty="0">
+                <a:latin typeface="微软雅黑" panose="020B0503020204020204" pitchFamily="34" charset="-122"/>
+                <a:ea typeface="微软雅黑" panose="020B0503020204020204" pitchFamily="34" charset="-122"/>
+                <a:cs typeface="+mn-cs"/>
+              </a:rPr>
+              <a:t>将网络技术应用在现代高等教育中，是现代高等教育发展的需要，也是改革教育模式，提高学校教学效果和教学效率、提高科研和管理水平的必要手段。</a:t>
+            </a:r>
+            <a:endParaRPr lang="en-US" sz="2000" dirty="0">
               <a:latin typeface="微软雅黑" panose="020B0503020204020204" pitchFamily="34" charset="-122"/>
               <a:ea typeface="微软雅黑" panose="020B0503020204020204" pitchFamily="34" charset="-122"/>
               <a:cs typeface="+mn-cs"/>
@@ -13150,12 +11713,6 @@
 
 <file path=ppt/tags/tag8.xml><?xml version="1.0" encoding="utf-8"?>
 <p:tagLst xmlns:a="http://schemas.openxmlformats.org/drawingml/2006/main" xmlns:r="http://schemas.openxmlformats.org/officeDocument/2006/relationships" xmlns:p="http://schemas.openxmlformats.org/presentationml/2006/main">
-  <p:tag name="PA" val="v4.1.3"/>
-</p:tagLst>
-</file>
-
-<file path=ppt/tags/tag9.xml><?xml version="1.0" encoding="utf-8"?>
-<p:tagLst xmlns:a="http://schemas.openxmlformats.org/drawingml/2006/main" xmlns:r="http://schemas.openxmlformats.org/officeDocument/2006/relationships" xmlns:p="http://schemas.openxmlformats.org/presentationml/2006/main">
   <p:tag name="SELECTED" val="True"/>
 </p:tagLst>
 </file>
@@ -13957,49 +12514,6 @@
 </a:themeOverride>
 </file>
 
-<file path=ppt/theme/themeOverride13.xml><?xml version="1.0" encoding="utf-8"?>
-<a:themeOverride xmlns:a="http://schemas.openxmlformats.org/drawingml/2006/main">
-  <a:clrScheme name="自定义 2">
-    <a:dk1>
-      <a:srgbClr val="000000"/>
-    </a:dk1>
-    <a:lt1>
-      <a:srgbClr val="FFFFFF"/>
-    </a:lt1>
-    <a:dk2>
-      <a:srgbClr val="FFFFFF"/>
-    </a:dk2>
-    <a:lt2>
-      <a:srgbClr val="FFFFFF"/>
-    </a:lt2>
-    <a:accent1>
-      <a:srgbClr val="13436C"/>
-    </a:accent1>
-    <a:accent2>
-      <a:srgbClr val="13436C"/>
-    </a:accent2>
-    <a:accent3>
-      <a:srgbClr val="13436C"/>
-    </a:accent3>
-    <a:accent4>
-      <a:srgbClr val="13436C"/>
-    </a:accent4>
-    <a:accent5>
-      <a:srgbClr val="13436C"/>
-    </a:accent5>
-    <a:accent6>
-      <a:srgbClr val="13436C"/>
-    </a:accent6>
-    <a:hlink>
-      <a:srgbClr val="13436C"/>
-    </a:hlink>
-    <a:folHlink>
-      <a:srgbClr val="13436C"/>
-    </a:folHlink>
-  </a:clrScheme>
-</a:themeOverride>
-</file>
-
 <file path=ppt/theme/themeOverride2.xml><?xml version="1.0" encoding="utf-8"?>
 <a:themeOverride xmlns:a="http://schemas.openxmlformats.org/drawingml/2006/main">
   <a:clrScheme name="自定义 2">
